--- a/reinforceLearning/eye2.pptx
+++ b/reinforceLearning/eye2.pptx
@@ -6,9 +6,12 @@
   </p:sldMasterIdLst>
   <p:sldIdLst>
     <p:sldId id="289" r:id="rId2"/>
-    <p:sldId id="292" r:id="rId3"/>
-    <p:sldId id="290" r:id="rId4"/>
-    <p:sldId id="291" r:id="rId5"/>
+    <p:sldId id="293" r:id="rId3"/>
+    <p:sldId id="292" r:id="rId4"/>
+    <p:sldId id="294" r:id="rId5"/>
+    <p:sldId id="295" r:id="rId6"/>
+    <p:sldId id="290" r:id="rId7"/>
+    <p:sldId id="291" r:id="rId8"/>
   </p:sldIdLst>
   <p:sldSz cx="12192000" cy="6858000"/>
   <p:notesSz cx="6858000" cy="9144000"/>
@@ -257,7 +260,7 @@
           <a:p>
             <a:fld id="{60B9A8A3-7668-443A-A7B8-5426FB87D79F}" type="datetimeFigureOut">
               <a:rPr kumimoji="1" lang="ja-JP" altLang="en-US" smtClean="0"/>
-              <a:t>2017/10/19</a:t>
+              <a:t>2017/10/22</a:t>
             </a:fld>
             <a:endParaRPr kumimoji="1" lang="ja-JP" altLang="en-US"/>
           </a:p>
@@ -459,7 +462,7 @@
           <a:p>
             <a:fld id="{60B9A8A3-7668-443A-A7B8-5426FB87D79F}" type="datetimeFigureOut">
               <a:rPr kumimoji="1" lang="ja-JP" altLang="en-US" smtClean="0"/>
-              <a:t>2017/10/19</a:t>
+              <a:t>2017/10/22</a:t>
             </a:fld>
             <a:endParaRPr kumimoji="1" lang="ja-JP" altLang="en-US"/>
           </a:p>
@@ -671,7 +674,7 @@
           <a:p>
             <a:fld id="{60B9A8A3-7668-443A-A7B8-5426FB87D79F}" type="datetimeFigureOut">
               <a:rPr kumimoji="1" lang="ja-JP" altLang="en-US" smtClean="0"/>
-              <a:t>2017/10/19</a:t>
+              <a:t>2017/10/22</a:t>
             </a:fld>
             <a:endParaRPr kumimoji="1" lang="ja-JP" altLang="en-US"/>
           </a:p>
@@ -873,7 +876,7 @@
           <a:p>
             <a:fld id="{60B9A8A3-7668-443A-A7B8-5426FB87D79F}" type="datetimeFigureOut">
               <a:rPr kumimoji="1" lang="ja-JP" altLang="en-US" smtClean="0"/>
-              <a:t>2017/10/19</a:t>
+              <a:t>2017/10/22</a:t>
             </a:fld>
             <a:endParaRPr kumimoji="1" lang="ja-JP" altLang="en-US"/>
           </a:p>
@@ -1119,7 +1122,7 @@
           <a:p>
             <a:fld id="{60B9A8A3-7668-443A-A7B8-5426FB87D79F}" type="datetimeFigureOut">
               <a:rPr kumimoji="1" lang="ja-JP" altLang="en-US" smtClean="0"/>
-              <a:t>2017/10/19</a:t>
+              <a:t>2017/10/22</a:t>
             </a:fld>
             <a:endParaRPr kumimoji="1" lang="ja-JP" altLang="en-US"/>
           </a:p>
@@ -1415,7 +1418,7 @@
           <a:p>
             <a:fld id="{60B9A8A3-7668-443A-A7B8-5426FB87D79F}" type="datetimeFigureOut">
               <a:rPr kumimoji="1" lang="ja-JP" altLang="en-US" smtClean="0"/>
-              <a:t>2017/10/19</a:t>
+              <a:t>2017/10/22</a:t>
             </a:fld>
             <a:endParaRPr kumimoji="1" lang="ja-JP" altLang="en-US"/>
           </a:p>
@@ -1846,7 +1849,7 @@
           <a:p>
             <a:fld id="{60B9A8A3-7668-443A-A7B8-5426FB87D79F}" type="datetimeFigureOut">
               <a:rPr kumimoji="1" lang="ja-JP" altLang="en-US" smtClean="0"/>
-              <a:t>2017/10/19</a:t>
+              <a:t>2017/10/22</a:t>
             </a:fld>
             <a:endParaRPr kumimoji="1" lang="ja-JP" altLang="en-US"/>
           </a:p>
@@ -1964,7 +1967,7 @@
           <a:p>
             <a:fld id="{60B9A8A3-7668-443A-A7B8-5426FB87D79F}" type="datetimeFigureOut">
               <a:rPr kumimoji="1" lang="ja-JP" altLang="en-US" smtClean="0"/>
-              <a:t>2017/10/19</a:t>
+              <a:t>2017/10/22</a:t>
             </a:fld>
             <a:endParaRPr kumimoji="1" lang="ja-JP" altLang="en-US"/>
           </a:p>
@@ -2059,7 +2062,7 @@
           <a:p>
             <a:fld id="{60B9A8A3-7668-443A-A7B8-5426FB87D79F}" type="datetimeFigureOut">
               <a:rPr kumimoji="1" lang="ja-JP" altLang="en-US" smtClean="0"/>
-              <a:t>2017/10/19</a:t>
+              <a:t>2017/10/22</a:t>
             </a:fld>
             <a:endParaRPr kumimoji="1" lang="ja-JP" altLang="en-US"/>
           </a:p>
@@ -2368,7 +2371,7 @@
           <a:p>
             <a:fld id="{60B9A8A3-7668-443A-A7B8-5426FB87D79F}" type="datetimeFigureOut">
               <a:rPr kumimoji="1" lang="ja-JP" altLang="en-US" smtClean="0"/>
-              <a:t>2017/10/19</a:t>
+              <a:t>2017/10/22</a:t>
             </a:fld>
             <a:endParaRPr kumimoji="1" lang="ja-JP" altLang="en-US"/>
           </a:p>
@@ -2621,7 +2624,7 @@
           <a:p>
             <a:fld id="{60B9A8A3-7668-443A-A7B8-5426FB87D79F}" type="datetimeFigureOut">
               <a:rPr kumimoji="1" lang="ja-JP" altLang="en-US" smtClean="0"/>
-              <a:t>2017/10/19</a:t>
+              <a:t>2017/10/22</a:t>
             </a:fld>
             <a:endParaRPr kumimoji="1" lang="ja-JP" altLang="en-US"/>
           </a:p>
@@ -2866,7 +2869,7 @@
           <a:p>
             <a:fld id="{60B9A8A3-7668-443A-A7B8-5426FB87D79F}" type="datetimeFigureOut">
               <a:rPr kumimoji="1" lang="ja-JP" altLang="en-US" smtClean="0"/>
-              <a:t>2017/10/19</a:t>
+              <a:t>2017/10/22</a:t>
             </a:fld>
             <a:endParaRPr kumimoji="1" lang="ja-JP" altLang="en-US"/>
           </a:p>
@@ -5160,24 +5163,39 @@
       </p:grpSpPr>
       <p:sp>
         <p:nvSpPr>
-          <p:cNvPr id="4" name="正方形/長方形 3"/>
+          <p:cNvPr id="4" name="円/楕円 3"/>
           <p:cNvSpPr/>
           <p:nvPr/>
         </p:nvSpPr>
         <p:spPr>
           <a:xfrm>
-            <a:off x="279660" y="95090"/>
-            <a:ext cx="3292665" cy="3308422"/>
-          </a:xfrm>
-          <a:prstGeom prst="rect">
-            <a:avLst/>
-          </a:prstGeom>
-          <a:solidFill>
-            <a:schemeClr val="bg1"/>
-          </a:solidFill>
+            <a:off x="1560351" y="1174460"/>
+            <a:ext cx="679509" cy="679509"/>
+          </a:xfrm>
+          <a:prstGeom prst="ellipse">
+            <a:avLst/>
+          </a:prstGeom>
           <a:ln>
             <a:noFill/>
           </a:ln>
+          <a:effectLst>
+            <a:outerShdw blurRad="44450" dist="27940" dir="5400000" algn="ctr">
+              <a:srgbClr val="000000">
+                <a:alpha val="32000"/>
+              </a:srgbClr>
+            </a:outerShdw>
+          </a:effectLst>
+          <a:scene3d>
+            <a:camera prst="orthographicFront">
+              <a:rot lat="0" lon="0" rev="0"/>
+            </a:camera>
+            <a:lightRig rig="balanced" dir="t">
+              <a:rot lat="0" lon="0" rev="8700000"/>
+            </a:lightRig>
+          </a:scene3d>
+          <a:sp3d>
+            <a:bevelT w="190500" h="38100"/>
+          </a:sp3d>
         </p:spPr>
         <p:style>
           <a:lnRef idx="2">
@@ -5200,20 +5218,203 @@
           <a:lstStyle/>
           <a:p>
             <a:pPr algn="ctr"/>
-            <a:endParaRPr kumimoji="1" lang="ja-JP" altLang="en-US" dirty="0"/>
-          </a:p>
-        </p:txBody>
-      </p:sp>
-      <p:sp>
-        <p:nvSpPr>
-          <p:cNvPr id="5" name="テキスト ボックス 4"/>
+            <a:endParaRPr kumimoji="1" lang="ja-JP" altLang="en-US"/>
+          </a:p>
+        </p:txBody>
+      </p:sp>
+      <p:sp>
+        <p:nvSpPr>
+          <p:cNvPr id="5" name="円/楕円 4"/>
+          <p:cNvSpPr/>
+          <p:nvPr/>
+        </p:nvSpPr>
+        <p:spPr>
+          <a:xfrm>
+            <a:off x="1560351" y="2170419"/>
+            <a:ext cx="679509" cy="679509"/>
+          </a:xfrm>
+          <a:prstGeom prst="ellipse">
+            <a:avLst/>
+          </a:prstGeom>
+          <a:ln>
+            <a:noFill/>
+          </a:ln>
+          <a:effectLst>
+            <a:outerShdw blurRad="44450" dist="27940" dir="5400000" algn="ctr">
+              <a:srgbClr val="000000">
+                <a:alpha val="32000"/>
+              </a:srgbClr>
+            </a:outerShdw>
+          </a:effectLst>
+          <a:scene3d>
+            <a:camera prst="orthographicFront">
+              <a:rot lat="0" lon="0" rev="0"/>
+            </a:camera>
+            <a:lightRig rig="balanced" dir="t">
+              <a:rot lat="0" lon="0" rev="8700000"/>
+            </a:lightRig>
+          </a:scene3d>
+          <a:sp3d>
+            <a:bevelT w="190500" h="38100"/>
+          </a:sp3d>
+        </p:spPr>
+        <p:style>
+          <a:lnRef idx="2">
+            <a:schemeClr val="accent1">
+              <a:shade val="50000"/>
+            </a:schemeClr>
+          </a:lnRef>
+          <a:fillRef idx="1">
+            <a:schemeClr val="accent1"/>
+          </a:fillRef>
+          <a:effectRef idx="0">
+            <a:schemeClr val="accent1"/>
+          </a:effectRef>
+          <a:fontRef idx="minor">
+            <a:schemeClr val="lt1"/>
+          </a:fontRef>
+        </p:style>
+        <p:txBody>
+          <a:bodyPr rtlCol="0" anchor="ctr"/>
+          <a:lstStyle/>
+          <a:p>
+            <a:pPr algn="ctr"/>
+            <a:endParaRPr kumimoji="1" lang="ja-JP" altLang="en-US"/>
+          </a:p>
+        </p:txBody>
+      </p:sp>
+      <p:sp>
+        <p:nvSpPr>
+          <p:cNvPr id="6" name="円/楕円 5"/>
+          <p:cNvSpPr/>
+          <p:nvPr/>
+        </p:nvSpPr>
+        <p:spPr>
+          <a:xfrm>
+            <a:off x="1560351" y="3166378"/>
+            <a:ext cx="679509" cy="679509"/>
+          </a:xfrm>
+          <a:prstGeom prst="ellipse">
+            <a:avLst/>
+          </a:prstGeom>
+          <a:ln>
+            <a:noFill/>
+          </a:ln>
+          <a:effectLst>
+            <a:outerShdw blurRad="44450" dist="27940" dir="5400000" algn="ctr">
+              <a:srgbClr val="000000">
+                <a:alpha val="32000"/>
+              </a:srgbClr>
+            </a:outerShdw>
+          </a:effectLst>
+          <a:scene3d>
+            <a:camera prst="orthographicFront">
+              <a:rot lat="0" lon="0" rev="0"/>
+            </a:camera>
+            <a:lightRig rig="balanced" dir="t">
+              <a:rot lat="0" lon="0" rev="8700000"/>
+            </a:lightRig>
+          </a:scene3d>
+          <a:sp3d>
+            <a:bevelT w="190500" h="38100"/>
+          </a:sp3d>
+        </p:spPr>
+        <p:style>
+          <a:lnRef idx="2">
+            <a:schemeClr val="accent1">
+              <a:shade val="50000"/>
+            </a:schemeClr>
+          </a:lnRef>
+          <a:fillRef idx="1">
+            <a:schemeClr val="accent1"/>
+          </a:fillRef>
+          <a:effectRef idx="0">
+            <a:schemeClr val="accent1"/>
+          </a:effectRef>
+          <a:fontRef idx="minor">
+            <a:schemeClr val="lt1"/>
+          </a:fontRef>
+        </p:style>
+        <p:txBody>
+          <a:bodyPr rtlCol="0" anchor="ctr"/>
+          <a:lstStyle/>
+          <a:p>
+            <a:pPr algn="ctr"/>
+            <a:endParaRPr kumimoji="1" lang="ja-JP" altLang="en-US"/>
+          </a:p>
+        </p:txBody>
+      </p:sp>
+      <p:sp>
+        <p:nvSpPr>
+          <p:cNvPr id="7" name="円/楕円 6"/>
+          <p:cNvSpPr/>
+          <p:nvPr/>
+        </p:nvSpPr>
+        <p:spPr>
+          <a:xfrm>
+            <a:off x="1560351" y="4162338"/>
+            <a:ext cx="679509" cy="679509"/>
+          </a:xfrm>
+          <a:prstGeom prst="ellipse">
+            <a:avLst/>
+          </a:prstGeom>
+          <a:ln>
+            <a:noFill/>
+          </a:ln>
+          <a:effectLst>
+            <a:outerShdw blurRad="44450" dist="27940" dir="5400000" algn="ctr">
+              <a:srgbClr val="000000">
+                <a:alpha val="32000"/>
+              </a:srgbClr>
+            </a:outerShdw>
+          </a:effectLst>
+          <a:scene3d>
+            <a:camera prst="orthographicFront">
+              <a:rot lat="0" lon="0" rev="0"/>
+            </a:camera>
+            <a:lightRig rig="balanced" dir="t">
+              <a:rot lat="0" lon="0" rev="8700000"/>
+            </a:lightRig>
+          </a:scene3d>
+          <a:sp3d>
+            <a:bevelT w="190500" h="38100"/>
+          </a:sp3d>
+        </p:spPr>
+        <p:style>
+          <a:lnRef idx="2">
+            <a:schemeClr val="accent1">
+              <a:shade val="50000"/>
+            </a:schemeClr>
+          </a:lnRef>
+          <a:fillRef idx="1">
+            <a:schemeClr val="accent1"/>
+          </a:fillRef>
+          <a:effectRef idx="0">
+            <a:schemeClr val="accent1"/>
+          </a:effectRef>
+          <a:fontRef idx="minor">
+            <a:schemeClr val="lt1"/>
+          </a:fontRef>
+        </p:style>
+        <p:txBody>
+          <a:bodyPr rtlCol="0" anchor="ctr"/>
+          <a:lstStyle/>
+          <a:p>
+            <a:pPr algn="ctr"/>
+            <a:endParaRPr kumimoji="1" lang="ja-JP" altLang="en-US"/>
+          </a:p>
+        </p:txBody>
+      </p:sp>
+      <p:sp>
+        <p:nvSpPr>
+          <p:cNvPr id="8" name="テキスト ボックス 7"/>
           <p:cNvSpPr txBox="1"/>
           <p:nvPr/>
         </p:nvSpPr>
         <p:spPr>
           <a:xfrm>
-            <a:off x="279660" y="207712"/>
-            <a:ext cx="3292665" cy="1311128"/>
+            <a:off x="-369115" y="1329548"/>
+            <a:ext cx="2172748" cy="369332"/>
           </a:xfrm>
           <a:prstGeom prst="rect">
             <a:avLst/>
@@ -5226,148 +5427,1372 @@
           </a:bodyPr>
           <a:lstStyle/>
           <a:p>
-            <a:pPr algn="ctr">
-              <a:lnSpc>
-                <a:spcPct val="110000"/>
-              </a:lnSpc>
-            </a:pPr>
-            <a:r>
-              <a:rPr lang="en-US" altLang="ja-JP" sz="2400" b="1" dirty="0" smtClean="0">
+            <a:r>
+              <a:rPr kumimoji="1" lang="ja-JP" altLang="en-US" dirty="0" smtClean="0">
+                <a:latin typeface="Meiryo UI" panose="020B0604030504040204" pitchFamily="50" charset="-128"/>
+                <a:ea typeface="Meiryo UI" panose="020B0604030504040204" pitchFamily="50" charset="-128"/>
+                <a:cs typeface="Meiryo UI" panose="020B0604030504040204" pitchFamily="50" charset="-128"/>
+              </a:rPr>
+              <a:t>カートの位置 </a:t>
+            </a:r>
+            <a:r>
+              <a:rPr kumimoji="1" lang="en-US" altLang="ja-JP" dirty="0" smtClean="0">
+                <a:latin typeface="Meiryo UI" panose="020B0604030504040204" pitchFamily="50" charset="-128"/>
+                <a:ea typeface="Meiryo UI" panose="020B0604030504040204" pitchFamily="50" charset="-128"/>
+                <a:cs typeface="Meiryo UI" panose="020B0604030504040204" pitchFamily="50" charset="-128"/>
+              </a:rPr>
+              <a:t>x(t)</a:t>
+            </a:r>
+            <a:endParaRPr kumimoji="1" lang="ja-JP" altLang="en-US" dirty="0">
+              <a:latin typeface="Meiryo UI" panose="020B0604030504040204" pitchFamily="50" charset="-128"/>
+              <a:ea typeface="Meiryo UI" panose="020B0604030504040204" pitchFamily="50" charset="-128"/>
+              <a:cs typeface="Meiryo UI" panose="020B0604030504040204" pitchFamily="50" charset="-128"/>
+            </a:endParaRPr>
+          </a:p>
+        </p:txBody>
+      </p:sp>
+      <p:sp>
+        <p:nvSpPr>
+          <p:cNvPr id="9" name="テキスト ボックス 8"/>
+          <p:cNvSpPr txBox="1"/>
+          <p:nvPr/>
+        </p:nvSpPr>
+        <p:spPr>
+          <a:xfrm>
+            <a:off x="-369115" y="2325507"/>
+            <a:ext cx="2172748" cy="369332"/>
+          </a:xfrm>
+          <a:prstGeom prst="rect">
+            <a:avLst/>
+          </a:prstGeom>
+          <a:noFill/>
+        </p:spPr>
+        <p:txBody>
+          <a:bodyPr wrap="square" rtlCol="0">
+            <a:spAutoFit/>
+          </a:bodyPr>
+          <a:lstStyle/>
+          <a:p>
+            <a:r>
+              <a:rPr kumimoji="1" lang="ja-JP" altLang="en-US" dirty="0" smtClean="0">
+                <a:latin typeface="Meiryo UI" panose="020B0604030504040204" pitchFamily="50" charset="-128"/>
+                <a:ea typeface="Meiryo UI" panose="020B0604030504040204" pitchFamily="50" charset="-128"/>
+                <a:cs typeface="Meiryo UI" panose="020B0604030504040204" pitchFamily="50" charset="-128"/>
+              </a:rPr>
+              <a:t>カートの</a:t>
+            </a:r>
+            <a:r>
+              <a:rPr lang="ja-JP" altLang="en-US" dirty="0" smtClean="0">
+                <a:latin typeface="Meiryo UI" panose="020B0604030504040204" pitchFamily="50" charset="-128"/>
+                <a:ea typeface="Meiryo UI" panose="020B0604030504040204" pitchFamily="50" charset="-128"/>
+                <a:cs typeface="Meiryo UI" panose="020B0604030504040204" pitchFamily="50" charset="-128"/>
+              </a:rPr>
+              <a:t>速度</a:t>
+            </a:r>
+            <a:r>
+              <a:rPr kumimoji="1" lang="ja-JP" altLang="en-US" dirty="0" smtClean="0">
+                <a:latin typeface="Meiryo UI" panose="020B0604030504040204" pitchFamily="50" charset="-128"/>
+                <a:ea typeface="Meiryo UI" panose="020B0604030504040204" pitchFamily="50" charset="-128"/>
+                <a:cs typeface="Meiryo UI" panose="020B0604030504040204" pitchFamily="50" charset="-128"/>
+              </a:rPr>
+              <a:t> </a:t>
+            </a:r>
+            <a:r>
+              <a:rPr kumimoji="1" lang="en-US" altLang="ja-JP" dirty="0" smtClean="0">
+                <a:latin typeface="Meiryo UI" panose="020B0604030504040204" pitchFamily="50" charset="-128"/>
+                <a:ea typeface="Meiryo UI" panose="020B0604030504040204" pitchFamily="50" charset="-128"/>
+                <a:cs typeface="Meiryo UI" panose="020B0604030504040204" pitchFamily="50" charset="-128"/>
+              </a:rPr>
+              <a:t>v(t)</a:t>
+            </a:r>
+            <a:endParaRPr kumimoji="1" lang="ja-JP" altLang="en-US" dirty="0">
+              <a:latin typeface="Meiryo UI" panose="020B0604030504040204" pitchFamily="50" charset="-128"/>
+              <a:ea typeface="Meiryo UI" panose="020B0604030504040204" pitchFamily="50" charset="-128"/>
+              <a:cs typeface="Meiryo UI" panose="020B0604030504040204" pitchFamily="50" charset="-128"/>
+            </a:endParaRPr>
+          </a:p>
+        </p:txBody>
+      </p:sp>
+      <p:sp>
+        <p:nvSpPr>
+          <p:cNvPr id="10" name="テキスト ボックス 9"/>
+          <p:cNvSpPr txBox="1"/>
+          <p:nvPr/>
+        </p:nvSpPr>
+        <p:spPr>
+          <a:xfrm>
+            <a:off x="-174931" y="3310676"/>
+            <a:ext cx="2172748" cy="369332"/>
+          </a:xfrm>
+          <a:prstGeom prst="rect">
+            <a:avLst/>
+          </a:prstGeom>
+          <a:noFill/>
+        </p:spPr>
+        <p:txBody>
+          <a:bodyPr wrap="square" rtlCol="0">
+            <a:spAutoFit/>
+          </a:bodyPr>
+          <a:lstStyle/>
+          <a:p>
+            <a:r>
+              <a:rPr lang="ja-JP" altLang="en-US" dirty="0" smtClean="0">
+                <a:latin typeface="Meiryo UI" panose="020B0604030504040204" pitchFamily="50" charset="-128"/>
+                <a:ea typeface="Meiryo UI" panose="020B0604030504040204" pitchFamily="50" charset="-128"/>
+                <a:cs typeface="Meiryo UI" panose="020B0604030504040204" pitchFamily="50" charset="-128"/>
+              </a:rPr>
+              <a:t>棒の角度　</a:t>
+            </a:r>
+            <a:r>
+              <a:rPr lang="en-US" altLang="ja-JP" dirty="0" smtClean="0">
+                <a:latin typeface="Meiryo UI" panose="020B0604030504040204" pitchFamily="50" charset="-128"/>
+                <a:ea typeface="Meiryo UI" panose="020B0604030504040204" pitchFamily="50" charset="-128"/>
+                <a:cs typeface="Meiryo UI" panose="020B0604030504040204" pitchFamily="50" charset="-128"/>
+              </a:rPr>
+              <a:t>θ</a:t>
+            </a:r>
+            <a:r>
+              <a:rPr kumimoji="1" lang="en-US" altLang="ja-JP" dirty="0" smtClean="0">
+                <a:latin typeface="Meiryo UI" panose="020B0604030504040204" pitchFamily="50" charset="-128"/>
+                <a:ea typeface="Meiryo UI" panose="020B0604030504040204" pitchFamily="50" charset="-128"/>
+                <a:cs typeface="Meiryo UI" panose="020B0604030504040204" pitchFamily="50" charset="-128"/>
+              </a:rPr>
+              <a:t>(t)</a:t>
+            </a:r>
+            <a:endParaRPr kumimoji="1" lang="ja-JP" altLang="en-US" dirty="0">
+              <a:latin typeface="Meiryo UI" panose="020B0604030504040204" pitchFamily="50" charset="-128"/>
+              <a:ea typeface="Meiryo UI" panose="020B0604030504040204" pitchFamily="50" charset="-128"/>
+              <a:cs typeface="Meiryo UI" panose="020B0604030504040204" pitchFamily="50" charset="-128"/>
+            </a:endParaRPr>
+          </a:p>
+        </p:txBody>
+      </p:sp>
+      <p:sp>
+        <p:nvSpPr>
+          <p:cNvPr id="11" name="テキスト ボックス 10"/>
+          <p:cNvSpPr txBox="1"/>
+          <p:nvPr/>
+        </p:nvSpPr>
+        <p:spPr>
+          <a:xfrm>
+            <a:off x="-369115" y="4299744"/>
+            <a:ext cx="2172748" cy="369332"/>
+          </a:xfrm>
+          <a:prstGeom prst="rect">
+            <a:avLst/>
+          </a:prstGeom>
+          <a:noFill/>
+        </p:spPr>
+        <p:txBody>
+          <a:bodyPr wrap="square" rtlCol="0">
+            <a:spAutoFit/>
+          </a:bodyPr>
+          <a:lstStyle/>
+          <a:p>
+            <a:r>
+              <a:rPr lang="ja-JP" altLang="en-US" dirty="0" smtClean="0">
+                <a:latin typeface="Meiryo UI" panose="020B0604030504040204" pitchFamily="50" charset="-128"/>
+                <a:ea typeface="Meiryo UI" panose="020B0604030504040204" pitchFamily="50" charset="-128"/>
+                <a:cs typeface="Meiryo UI" panose="020B0604030504040204" pitchFamily="50" charset="-128"/>
+              </a:rPr>
+              <a:t>棒の角速度　</a:t>
+            </a:r>
+            <a:r>
+              <a:rPr lang="en-US" altLang="ja-JP" dirty="0" smtClean="0">
+                <a:latin typeface="Meiryo UI" panose="020B0604030504040204" pitchFamily="50" charset="-128"/>
+                <a:ea typeface="Meiryo UI" panose="020B0604030504040204" pitchFamily="50" charset="-128"/>
+                <a:cs typeface="Meiryo UI" panose="020B0604030504040204" pitchFamily="50" charset="-128"/>
+              </a:rPr>
+              <a:t>ω</a:t>
+            </a:r>
+            <a:r>
+              <a:rPr kumimoji="1" lang="en-US" altLang="ja-JP" dirty="0" smtClean="0">
+                <a:latin typeface="Meiryo UI" panose="020B0604030504040204" pitchFamily="50" charset="-128"/>
+                <a:ea typeface="Meiryo UI" panose="020B0604030504040204" pitchFamily="50" charset="-128"/>
+                <a:cs typeface="Meiryo UI" panose="020B0604030504040204" pitchFamily="50" charset="-128"/>
+              </a:rPr>
+              <a:t>(t)</a:t>
+            </a:r>
+            <a:endParaRPr kumimoji="1" lang="ja-JP" altLang="en-US" dirty="0">
+              <a:latin typeface="Meiryo UI" panose="020B0604030504040204" pitchFamily="50" charset="-128"/>
+              <a:ea typeface="Meiryo UI" panose="020B0604030504040204" pitchFamily="50" charset="-128"/>
+              <a:cs typeface="Meiryo UI" panose="020B0604030504040204" pitchFamily="50" charset="-128"/>
+            </a:endParaRPr>
+          </a:p>
+        </p:txBody>
+      </p:sp>
+      <p:sp>
+        <p:nvSpPr>
+          <p:cNvPr id="12" name="正方形/長方形 11"/>
+          <p:cNvSpPr/>
+          <p:nvPr/>
+        </p:nvSpPr>
+        <p:spPr>
+          <a:xfrm>
+            <a:off x="3111245" y="666507"/>
+            <a:ext cx="671119" cy="4774173"/>
+          </a:xfrm>
+          <a:prstGeom prst="rect">
+            <a:avLst/>
+          </a:prstGeom>
+          <a:noFill/>
+          <a:ln>
+            <a:solidFill>
+              <a:schemeClr val="accent6"/>
+            </a:solidFill>
+            <a:prstDash val="sysDot"/>
+          </a:ln>
+        </p:spPr>
+        <p:style>
+          <a:lnRef idx="2">
+            <a:schemeClr val="accent1">
+              <a:shade val="50000"/>
+            </a:schemeClr>
+          </a:lnRef>
+          <a:fillRef idx="1">
+            <a:schemeClr val="accent1"/>
+          </a:fillRef>
+          <a:effectRef idx="0">
+            <a:schemeClr val="accent1"/>
+          </a:effectRef>
+          <a:fontRef idx="minor">
+            <a:schemeClr val="lt1"/>
+          </a:fontRef>
+        </p:style>
+        <p:txBody>
+          <a:bodyPr rtlCol="0" anchor="ctr"/>
+          <a:lstStyle/>
+          <a:p>
+            <a:pPr algn="ctr"/>
+            <a:endParaRPr kumimoji="1" lang="ja-JP" altLang="en-US"/>
+          </a:p>
+        </p:txBody>
+      </p:sp>
+      <p:sp>
+        <p:nvSpPr>
+          <p:cNvPr id="13" name="円/楕円 12"/>
+          <p:cNvSpPr/>
+          <p:nvPr/>
+        </p:nvSpPr>
+        <p:spPr>
+          <a:xfrm>
+            <a:off x="3186795" y="787086"/>
+            <a:ext cx="488604" cy="488604"/>
+          </a:xfrm>
+          <a:prstGeom prst="ellipse">
+            <a:avLst/>
+          </a:prstGeom>
+          <a:solidFill>
+            <a:schemeClr val="accent6"/>
+          </a:solidFill>
+          <a:ln>
+            <a:noFill/>
+          </a:ln>
+          <a:effectLst>
+            <a:outerShdw blurRad="44450" dist="27940" dir="5400000" algn="ctr">
+              <a:srgbClr val="000000">
+                <a:alpha val="32000"/>
+              </a:srgbClr>
+            </a:outerShdw>
+          </a:effectLst>
+          <a:scene3d>
+            <a:camera prst="orthographicFront">
+              <a:rot lat="0" lon="0" rev="0"/>
+            </a:camera>
+            <a:lightRig rig="balanced" dir="t">
+              <a:rot lat="0" lon="0" rev="8700000"/>
+            </a:lightRig>
+          </a:scene3d>
+          <a:sp3d>
+            <a:bevelT w="190500" h="38100"/>
+          </a:sp3d>
+        </p:spPr>
+        <p:style>
+          <a:lnRef idx="2">
+            <a:schemeClr val="accent1">
+              <a:shade val="50000"/>
+            </a:schemeClr>
+          </a:lnRef>
+          <a:fillRef idx="1">
+            <a:schemeClr val="accent1"/>
+          </a:fillRef>
+          <a:effectRef idx="0">
+            <a:schemeClr val="accent1"/>
+          </a:effectRef>
+          <a:fontRef idx="minor">
+            <a:schemeClr val="lt1"/>
+          </a:fontRef>
+        </p:style>
+        <p:txBody>
+          <a:bodyPr rtlCol="0" anchor="ctr"/>
+          <a:lstStyle/>
+          <a:p>
+            <a:pPr algn="ctr"/>
+            <a:endParaRPr kumimoji="1" lang="ja-JP" altLang="en-US"/>
+          </a:p>
+        </p:txBody>
+      </p:sp>
+      <p:sp>
+        <p:nvSpPr>
+          <p:cNvPr id="14" name="円/楕円 13"/>
+          <p:cNvSpPr/>
+          <p:nvPr/>
+        </p:nvSpPr>
+        <p:spPr>
+          <a:xfrm>
+            <a:off x="3186795" y="1496481"/>
+            <a:ext cx="488604" cy="488604"/>
+          </a:xfrm>
+          <a:prstGeom prst="ellipse">
+            <a:avLst/>
+          </a:prstGeom>
+          <a:solidFill>
+            <a:schemeClr val="accent6"/>
+          </a:solidFill>
+          <a:ln>
+            <a:noFill/>
+          </a:ln>
+          <a:effectLst>
+            <a:outerShdw blurRad="44450" dist="27940" dir="5400000" algn="ctr">
+              <a:srgbClr val="000000">
+                <a:alpha val="32000"/>
+              </a:srgbClr>
+            </a:outerShdw>
+          </a:effectLst>
+          <a:scene3d>
+            <a:camera prst="orthographicFront">
+              <a:rot lat="0" lon="0" rev="0"/>
+            </a:camera>
+            <a:lightRig rig="balanced" dir="t">
+              <a:rot lat="0" lon="0" rev="8700000"/>
+            </a:lightRig>
+          </a:scene3d>
+          <a:sp3d>
+            <a:bevelT w="190500" h="38100"/>
+          </a:sp3d>
+        </p:spPr>
+        <p:style>
+          <a:lnRef idx="2">
+            <a:schemeClr val="accent1">
+              <a:shade val="50000"/>
+            </a:schemeClr>
+          </a:lnRef>
+          <a:fillRef idx="1">
+            <a:schemeClr val="accent1"/>
+          </a:fillRef>
+          <a:effectRef idx="0">
+            <a:schemeClr val="accent1"/>
+          </a:effectRef>
+          <a:fontRef idx="minor">
+            <a:schemeClr val="lt1"/>
+          </a:fontRef>
+        </p:style>
+        <p:txBody>
+          <a:bodyPr rtlCol="0" anchor="ctr"/>
+          <a:lstStyle/>
+          <a:p>
+            <a:pPr algn="ctr"/>
+            <a:endParaRPr kumimoji="1" lang="ja-JP" altLang="en-US"/>
+          </a:p>
+        </p:txBody>
+      </p:sp>
+      <p:sp>
+        <p:nvSpPr>
+          <p:cNvPr id="15" name="円/楕円 14"/>
+          <p:cNvSpPr/>
+          <p:nvPr/>
+        </p:nvSpPr>
+        <p:spPr>
+          <a:xfrm>
+            <a:off x="3186795" y="2205876"/>
+            <a:ext cx="488604" cy="488604"/>
+          </a:xfrm>
+          <a:prstGeom prst="ellipse">
+            <a:avLst/>
+          </a:prstGeom>
+          <a:solidFill>
+            <a:schemeClr val="accent6"/>
+          </a:solidFill>
+          <a:ln>
+            <a:noFill/>
+          </a:ln>
+          <a:effectLst>
+            <a:outerShdw blurRad="44450" dist="27940" dir="5400000" algn="ctr">
+              <a:srgbClr val="000000">
+                <a:alpha val="32000"/>
+              </a:srgbClr>
+            </a:outerShdw>
+          </a:effectLst>
+          <a:scene3d>
+            <a:camera prst="orthographicFront">
+              <a:rot lat="0" lon="0" rev="0"/>
+            </a:camera>
+            <a:lightRig rig="balanced" dir="t">
+              <a:rot lat="0" lon="0" rev="8700000"/>
+            </a:lightRig>
+          </a:scene3d>
+          <a:sp3d>
+            <a:bevelT w="190500" h="38100"/>
+          </a:sp3d>
+        </p:spPr>
+        <p:style>
+          <a:lnRef idx="2">
+            <a:schemeClr val="accent1">
+              <a:shade val="50000"/>
+            </a:schemeClr>
+          </a:lnRef>
+          <a:fillRef idx="1">
+            <a:schemeClr val="accent1"/>
+          </a:fillRef>
+          <a:effectRef idx="0">
+            <a:schemeClr val="accent1"/>
+          </a:effectRef>
+          <a:fontRef idx="minor">
+            <a:schemeClr val="lt1"/>
+          </a:fontRef>
+        </p:style>
+        <p:txBody>
+          <a:bodyPr rtlCol="0" anchor="ctr"/>
+          <a:lstStyle/>
+          <a:p>
+            <a:pPr algn="ctr"/>
+            <a:endParaRPr kumimoji="1" lang="ja-JP" altLang="en-US"/>
+          </a:p>
+        </p:txBody>
+      </p:sp>
+      <p:sp>
+        <p:nvSpPr>
+          <p:cNvPr id="17" name="円/楕円 16"/>
+          <p:cNvSpPr/>
+          <p:nvPr/>
+        </p:nvSpPr>
+        <p:spPr>
+          <a:xfrm>
+            <a:off x="3186795" y="3325012"/>
+            <a:ext cx="488604" cy="488604"/>
+          </a:xfrm>
+          <a:prstGeom prst="ellipse">
+            <a:avLst/>
+          </a:prstGeom>
+          <a:solidFill>
+            <a:schemeClr val="accent6"/>
+          </a:solidFill>
+          <a:ln>
+            <a:noFill/>
+          </a:ln>
+          <a:effectLst>
+            <a:outerShdw blurRad="44450" dist="27940" dir="5400000" algn="ctr">
+              <a:srgbClr val="000000">
+                <a:alpha val="32000"/>
+              </a:srgbClr>
+            </a:outerShdw>
+          </a:effectLst>
+          <a:scene3d>
+            <a:camera prst="orthographicFront">
+              <a:rot lat="0" lon="0" rev="0"/>
+            </a:camera>
+            <a:lightRig rig="balanced" dir="t">
+              <a:rot lat="0" lon="0" rev="8700000"/>
+            </a:lightRig>
+          </a:scene3d>
+          <a:sp3d>
+            <a:bevelT w="190500" h="38100"/>
+          </a:sp3d>
+        </p:spPr>
+        <p:style>
+          <a:lnRef idx="2">
+            <a:schemeClr val="accent1">
+              <a:shade val="50000"/>
+            </a:schemeClr>
+          </a:lnRef>
+          <a:fillRef idx="1">
+            <a:schemeClr val="accent1"/>
+          </a:fillRef>
+          <a:effectRef idx="0">
+            <a:schemeClr val="accent1"/>
+          </a:effectRef>
+          <a:fontRef idx="minor">
+            <a:schemeClr val="lt1"/>
+          </a:fontRef>
+        </p:style>
+        <p:txBody>
+          <a:bodyPr rtlCol="0" anchor="ctr"/>
+          <a:lstStyle/>
+          <a:p>
+            <a:pPr algn="ctr"/>
+            <a:endParaRPr kumimoji="1" lang="ja-JP" altLang="en-US"/>
+          </a:p>
+        </p:txBody>
+      </p:sp>
+      <p:sp>
+        <p:nvSpPr>
+          <p:cNvPr id="18" name="円/楕円 17"/>
+          <p:cNvSpPr/>
+          <p:nvPr/>
+        </p:nvSpPr>
+        <p:spPr>
+          <a:xfrm>
+            <a:off x="3186795" y="4034407"/>
+            <a:ext cx="488604" cy="488604"/>
+          </a:xfrm>
+          <a:prstGeom prst="ellipse">
+            <a:avLst/>
+          </a:prstGeom>
+          <a:solidFill>
+            <a:schemeClr val="accent6"/>
+          </a:solidFill>
+          <a:ln>
+            <a:noFill/>
+          </a:ln>
+          <a:effectLst>
+            <a:outerShdw blurRad="44450" dist="27940" dir="5400000" algn="ctr">
+              <a:srgbClr val="000000">
+                <a:alpha val="32000"/>
+              </a:srgbClr>
+            </a:outerShdw>
+          </a:effectLst>
+          <a:scene3d>
+            <a:camera prst="orthographicFront">
+              <a:rot lat="0" lon="0" rev="0"/>
+            </a:camera>
+            <a:lightRig rig="balanced" dir="t">
+              <a:rot lat="0" lon="0" rev="8700000"/>
+            </a:lightRig>
+          </a:scene3d>
+          <a:sp3d>
+            <a:bevelT w="190500" h="38100"/>
+          </a:sp3d>
+        </p:spPr>
+        <p:style>
+          <a:lnRef idx="2">
+            <a:schemeClr val="accent1">
+              <a:shade val="50000"/>
+            </a:schemeClr>
+          </a:lnRef>
+          <a:fillRef idx="1">
+            <a:schemeClr val="accent1"/>
+          </a:fillRef>
+          <a:effectRef idx="0">
+            <a:schemeClr val="accent1"/>
+          </a:effectRef>
+          <a:fontRef idx="minor">
+            <a:schemeClr val="lt1"/>
+          </a:fontRef>
+        </p:style>
+        <p:txBody>
+          <a:bodyPr rtlCol="0" anchor="ctr"/>
+          <a:lstStyle/>
+          <a:p>
+            <a:pPr algn="ctr"/>
+            <a:endParaRPr kumimoji="1" lang="ja-JP" altLang="en-US"/>
+          </a:p>
+        </p:txBody>
+      </p:sp>
+      <p:sp>
+        <p:nvSpPr>
+          <p:cNvPr id="19" name="円/楕円 18"/>
+          <p:cNvSpPr/>
+          <p:nvPr/>
+        </p:nvSpPr>
+        <p:spPr>
+          <a:xfrm>
+            <a:off x="3186795" y="4743800"/>
+            <a:ext cx="488604" cy="488604"/>
+          </a:xfrm>
+          <a:prstGeom prst="ellipse">
+            <a:avLst/>
+          </a:prstGeom>
+          <a:solidFill>
+            <a:schemeClr val="accent6"/>
+          </a:solidFill>
+          <a:ln>
+            <a:noFill/>
+          </a:ln>
+          <a:effectLst>
+            <a:outerShdw blurRad="44450" dist="27940" dir="5400000" algn="ctr">
+              <a:srgbClr val="000000">
+                <a:alpha val="32000"/>
+              </a:srgbClr>
+            </a:outerShdw>
+          </a:effectLst>
+          <a:scene3d>
+            <a:camera prst="orthographicFront">
+              <a:rot lat="0" lon="0" rev="0"/>
+            </a:camera>
+            <a:lightRig rig="balanced" dir="t">
+              <a:rot lat="0" lon="0" rev="8700000"/>
+            </a:lightRig>
+          </a:scene3d>
+          <a:sp3d>
+            <a:bevelT w="190500" h="38100"/>
+          </a:sp3d>
+        </p:spPr>
+        <p:style>
+          <a:lnRef idx="2">
+            <a:schemeClr val="accent1">
+              <a:shade val="50000"/>
+            </a:schemeClr>
+          </a:lnRef>
+          <a:fillRef idx="1">
+            <a:schemeClr val="accent1"/>
+          </a:fillRef>
+          <a:effectRef idx="0">
+            <a:schemeClr val="accent1"/>
+          </a:effectRef>
+          <a:fontRef idx="minor">
+            <a:schemeClr val="lt1"/>
+          </a:fontRef>
+        </p:style>
+        <p:txBody>
+          <a:bodyPr rtlCol="0" anchor="ctr"/>
+          <a:lstStyle/>
+          <a:p>
+            <a:pPr algn="ctr"/>
+            <a:endParaRPr kumimoji="1" lang="ja-JP" altLang="en-US"/>
+          </a:p>
+        </p:txBody>
+      </p:sp>
+      <p:sp>
+        <p:nvSpPr>
+          <p:cNvPr id="20" name="テキスト ボックス 19"/>
+          <p:cNvSpPr txBox="1"/>
+          <p:nvPr/>
+        </p:nvSpPr>
+        <p:spPr>
+          <a:xfrm rot="5400000">
+            <a:off x="3277998" y="2689403"/>
+            <a:ext cx="306198" cy="523220"/>
+          </a:xfrm>
+          <a:prstGeom prst="rect">
+            <a:avLst/>
+          </a:prstGeom>
+          <a:noFill/>
+        </p:spPr>
+        <p:txBody>
+          <a:bodyPr wrap="square" rtlCol="0">
+            <a:spAutoFit/>
+          </a:bodyPr>
+          <a:lstStyle/>
+          <a:p>
+            <a:r>
+              <a:rPr lang="en-US" altLang="ja-JP" sz="2800" dirty="0">
+                <a:latin typeface="Meiryo UI" panose="020B0604030504040204" pitchFamily="50" charset="-128"/>
+                <a:ea typeface="Meiryo UI" panose="020B0604030504040204" pitchFamily="50" charset="-128"/>
+                <a:cs typeface="Meiryo UI" panose="020B0604030504040204" pitchFamily="50" charset="-128"/>
+              </a:rPr>
+              <a:t>…</a:t>
+            </a:r>
+            <a:endParaRPr kumimoji="1" lang="ja-JP" altLang="en-US" sz="2800" dirty="0">
+              <a:latin typeface="Meiryo UI" panose="020B0604030504040204" pitchFamily="50" charset="-128"/>
+              <a:ea typeface="Meiryo UI" panose="020B0604030504040204" pitchFamily="50" charset="-128"/>
+              <a:cs typeface="Meiryo UI" panose="020B0604030504040204" pitchFamily="50" charset="-128"/>
+            </a:endParaRPr>
+          </a:p>
+        </p:txBody>
+      </p:sp>
+      <p:sp>
+        <p:nvSpPr>
+          <p:cNvPr id="30" name="円/楕円 29"/>
+          <p:cNvSpPr/>
+          <p:nvPr/>
+        </p:nvSpPr>
+        <p:spPr>
+          <a:xfrm>
+            <a:off x="5048571" y="1596213"/>
+            <a:ext cx="679509" cy="679509"/>
+          </a:xfrm>
+          <a:prstGeom prst="ellipse">
+            <a:avLst/>
+          </a:prstGeom>
+          <a:solidFill>
+            <a:srgbClr val="00B0F0"/>
+          </a:solidFill>
+          <a:ln>
+            <a:noFill/>
+          </a:ln>
+          <a:effectLst>
+            <a:outerShdw blurRad="44450" dist="27940" dir="5400000" algn="ctr">
+              <a:srgbClr val="000000">
+                <a:alpha val="32000"/>
+              </a:srgbClr>
+            </a:outerShdw>
+          </a:effectLst>
+          <a:scene3d>
+            <a:camera prst="orthographicFront">
+              <a:rot lat="0" lon="0" rev="0"/>
+            </a:camera>
+            <a:lightRig rig="balanced" dir="t">
+              <a:rot lat="0" lon="0" rev="8700000"/>
+            </a:lightRig>
+          </a:scene3d>
+          <a:sp3d>
+            <a:bevelT w="190500" h="38100"/>
+          </a:sp3d>
+        </p:spPr>
+        <p:style>
+          <a:lnRef idx="2">
+            <a:schemeClr val="accent1">
+              <a:shade val="50000"/>
+            </a:schemeClr>
+          </a:lnRef>
+          <a:fillRef idx="1">
+            <a:schemeClr val="accent1"/>
+          </a:fillRef>
+          <a:effectRef idx="0">
+            <a:schemeClr val="accent1"/>
+          </a:effectRef>
+          <a:fontRef idx="minor">
+            <a:schemeClr val="lt1"/>
+          </a:fontRef>
+        </p:style>
+        <p:txBody>
+          <a:bodyPr rtlCol="0" anchor="ctr"/>
+          <a:lstStyle/>
+          <a:p>
+            <a:pPr algn="ctr"/>
+            <a:endParaRPr kumimoji="1" lang="ja-JP" altLang="en-US"/>
+          </a:p>
+        </p:txBody>
+      </p:sp>
+      <p:sp>
+        <p:nvSpPr>
+          <p:cNvPr id="31" name="円/楕円 30"/>
+          <p:cNvSpPr/>
+          <p:nvPr/>
+        </p:nvSpPr>
+        <p:spPr>
+          <a:xfrm>
+            <a:off x="5048571" y="2592172"/>
+            <a:ext cx="679509" cy="679509"/>
+          </a:xfrm>
+          <a:prstGeom prst="ellipse">
+            <a:avLst/>
+          </a:prstGeom>
+          <a:solidFill>
+            <a:srgbClr val="00B0F0"/>
+          </a:solidFill>
+          <a:ln>
+            <a:noFill/>
+          </a:ln>
+          <a:effectLst>
+            <a:outerShdw blurRad="44450" dist="27940" dir="5400000" algn="ctr">
+              <a:srgbClr val="000000">
+                <a:alpha val="32000"/>
+              </a:srgbClr>
+            </a:outerShdw>
+          </a:effectLst>
+          <a:scene3d>
+            <a:camera prst="orthographicFront">
+              <a:rot lat="0" lon="0" rev="0"/>
+            </a:camera>
+            <a:lightRig rig="balanced" dir="t">
+              <a:rot lat="0" lon="0" rev="8700000"/>
+            </a:lightRig>
+          </a:scene3d>
+          <a:sp3d>
+            <a:bevelT w="190500" h="38100"/>
+          </a:sp3d>
+        </p:spPr>
+        <p:style>
+          <a:lnRef idx="2">
+            <a:schemeClr val="accent1">
+              <a:shade val="50000"/>
+            </a:schemeClr>
+          </a:lnRef>
+          <a:fillRef idx="1">
+            <a:schemeClr val="accent1"/>
+          </a:fillRef>
+          <a:effectRef idx="0">
+            <a:schemeClr val="accent1"/>
+          </a:effectRef>
+          <a:fontRef idx="minor">
+            <a:schemeClr val="lt1"/>
+          </a:fontRef>
+        </p:style>
+        <p:txBody>
+          <a:bodyPr rtlCol="0" anchor="ctr"/>
+          <a:lstStyle/>
+          <a:p>
+            <a:pPr algn="ctr"/>
+            <a:endParaRPr kumimoji="1" lang="ja-JP" altLang="en-US"/>
+          </a:p>
+        </p:txBody>
+      </p:sp>
+      <p:cxnSp>
+        <p:nvCxnSpPr>
+          <p:cNvPr id="62" name="直線コネクタ 61"/>
+          <p:cNvCxnSpPr/>
+          <p:nvPr/>
+        </p:nvCxnSpPr>
+        <p:spPr>
+          <a:xfrm flipV="1">
+            <a:off x="1997817" y="686058"/>
+            <a:ext cx="1030609" cy="345330"/>
+          </a:xfrm>
+          <a:prstGeom prst="line">
+            <a:avLst/>
+          </a:prstGeom>
+          <a:ln w="38100">
+            <a:solidFill>
+              <a:schemeClr val="accent2"/>
+            </a:solidFill>
+            <a:prstDash val="sysDot"/>
+          </a:ln>
+        </p:spPr>
+        <p:style>
+          <a:lnRef idx="1">
+            <a:schemeClr val="accent1"/>
+          </a:lnRef>
+          <a:fillRef idx="0">
+            <a:schemeClr val="accent1"/>
+          </a:fillRef>
+          <a:effectRef idx="0">
+            <a:schemeClr val="accent1"/>
+          </a:effectRef>
+          <a:fontRef idx="minor">
+            <a:schemeClr val="tx1"/>
+          </a:fontRef>
+        </p:style>
+      </p:cxnSp>
+      <p:cxnSp>
+        <p:nvCxnSpPr>
+          <p:cNvPr id="63" name="直線コネクタ 62"/>
+          <p:cNvCxnSpPr/>
+          <p:nvPr/>
+        </p:nvCxnSpPr>
+        <p:spPr>
+          <a:xfrm>
+            <a:off x="1997817" y="4934860"/>
+            <a:ext cx="919119" cy="396092"/>
+          </a:xfrm>
+          <a:prstGeom prst="line">
+            <a:avLst/>
+          </a:prstGeom>
+          <a:ln w="38100">
+            <a:solidFill>
+              <a:schemeClr val="accent2"/>
+            </a:solidFill>
+            <a:prstDash val="sysDot"/>
+          </a:ln>
+        </p:spPr>
+        <p:style>
+          <a:lnRef idx="1">
+            <a:schemeClr val="accent1"/>
+          </a:lnRef>
+          <a:fillRef idx="0">
+            <a:schemeClr val="accent1"/>
+          </a:fillRef>
+          <a:effectRef idx="0">
+            <a:schemeClr val="accent1"/>
+          </a:effectRef>
+          <a:fontRef idx="minor">
+            <a:schemeClr val="tx1"/>
+          </a:fontRef>
+        </p:style>
+      </p:cxnSp>
+      <p:cxnSp>
+        <p:nvCxnSpPr>
+          <p:cNvPr id="65" name="直線コネクタ 64"/>
+          <p:cNvCxnSpPr/>
+          <p:nvPr/>
+        </p:nvCxnSpPr>
+        <p:spPr>
+          <a:xfrm flipH="1" flipV="1">
+            <a:off x="3893036" y="666507"/>
+            <a:ext cx="1446886" cy="826229"/>
+          </a:xfrm>
+          <a:prstGeom prst="line">
+            <a:avLst/>
+          </a:prstGeom>
+          <a:ln w="38100">
+            <a:solidFill>
+              <a:schemeClr val="accent2"/>
+            </a:solidFill>
+            <a:prstDash val="sysDot"/>
+          </a:ln>
+        </p:spPr>
+        <p:style>
+          <a:lnRef idx="1">
+            <a:schemeClr val="accent1"/>
+          </a:lnRef>
+          <a:fillRef idx="0">
+            <a:schemeClr val="accent1"/>
+          </a:fillRef>
+          <a:effectRef idx="0">
+            <a:schemeClr val="accent1"/>
+          </a:effectRef>
+          <a:fontRef idx="minor">
+            <a:schemeClr val="tx1"/>
+          </a:fontRef>
+        </p:style>
+      </p:cxnSp>
+      <p:cxnSp>
+        <p:nvCxnSpPr>
+          <p:cNvPr id="66" name="直線コネクタ 65"/>
+          <p:cNvCxnSpPr/>
+          <p:nvPr/>
+        </p:nvCxnSpPr>
+        <p:spPr>
+          <a:xfrm flipV="1">
+            <a:off x="3893036" y="4455032"/>
+            <a:ext cx="1446886" cy="875920"/>
+          </a:xfrm>
+          <a:prstGeom prst="line">
+            <a:avLst/>
+          </a:prstGeom>
+          <a:ln w="38100">
+            <a:solidFill>
+              <a:schemeClr val="accent2"/>
+            </a:solidFill>
+            <a:prstDash val="sysDot"/>
+          </a:ln>
+        </p:spPr>
+        <p:style>
+          <a:lnRef idx="1">
+            <a:schemeClr val="accent1"/>
+          </a:lnRef>
+          <a:fillRef idx="0">
+            <a:schemeClr val="accent1"/>
+          </a:fillRef>
+          <a:effectRef idx="0">
+            <a:schemeClr val="accent1"/>
+          </a:effectRef>
+          <a:fontRef idx="minor">
+            <a:schemeClr val="tx1"/>
+          </a:fontRef>
+        </p:style>
+      </p:cxnSp>
+      <p:sp>
+        <p:nvSpPr>
+          <p:cNvPr id="42" name="テキスト ボックス 41"/>
+          <p:cNvSpPr txBox="1"/>
+          <p:nvPr/>
+        </p:nvSpPr>
+        <p:spPr>
+          <a:xfrm>
+            <a:off x="5787447" y="1698818"/>
+            <a:ext cx="2172748" cy="369332"/>
+          </a:xfrm>
+          <a:prstGeom prst="rect">
+            <a:avLst/>
+          </a:prstGeom>
+          <a:noFill/>
+        </p:spPr>
+        <p:txBody>
+          <a:bodyPr wrap="square" rtlCol="0">
+            <a:spAutoFit/>
+          </a:bodyPr>
+          <a:lstStyle/>
+          <a:p>
+            <a:r>
+              <a:rPr lang="en-US" altLang="ja-JP" dirty="0" smtClean="0">
+                <a:latin typeface="Meiryo UI" panose="020B0604030504040204" pitchFamily="50" charset="-128"/>
+                <a:ea typeface="Meiryo UI" panose="020B0604030504040204" pitchFamily="50" charset="-128"/>
+                <a:cs typeface="Meiryo UI" panose="020B0604030504040204" pitchFamily="50" charset="-128"/>
+              </a:rPr>
+              <a:t>p(s</a:t>
+            </a:r>
+            <a:r>
+              <a:rPr lang="en-US" altLang="ja-JP" dirty="0" smtClean="0">
+                <a:latin typeface="Meiryo UI" panose="020B0604030504040204" pitchFamily="50" charset="-128"/>
+                <a:ea typeface="Meiryo UI" panose="020B0604030504040204" pitchFamily="50" charset="-128"/>
+                <a:cs typeface="Meiryo UI" panose="020B0604030504040204" pitchFamily="50" charset="-128"/>
+              </a:rPr>
+              <a:t>,</a:t>
+            </a:r>
+            <a:r>
+              <a:rPr lang="ja-JP" altLang="en-US" dirty="0" smtClean="0">
+                <a:latin typeface="Meiryo UI" panose="020B0604030504040204" pitchFamily="50" charset="-128"/>
+                <a:ea typeface="Meiryo UI" panose="020B0604030504040204" pitchFamily="50" charset="-128"/>
+                <a:cs typeface="Meiryo UI" panose="020B0604030504040204" pitchFamily="50" charset="-128"/>
+              </a:rPr>
+              <a:t>右に押す</a:t>
+            </a:r>
+            <a:r>
+              <a:rPr lang="en-US" altLang="ja-JP" dirty="0" smtClean="0">
+                <a:latin typeface="Meiryo UI" panose="020B0604030504040204" pitchFamily="50" charset="-128"/>
+                <a:ea typeface="Meiryo UI" panose="020B0604030504040204" pitchFamily="50" charset="-128"/>
+                <a:cs typeface="Meiryo UI" panose="020B0604030504040204" pitchFamily="50" charset="-128"/>
+              </a:rPr>
+              <a:t>)</a:t>
+            </a:r>
+            <a:endParaRPr kumimoji="1" lang="ja-JP" altLang="en-US" dirty="0">
+              <a:latin typeface="Meiryo UI" panose="020B0604030504040204" pitchFamily="50" charset="-128"/>
+              <a:ea typeface="Meiryo UI" panose="020B0604030504040204" pitchFamily="50" charset="-128"/>
+              <a:cs typeface="Meiryo UI" panose="020B0604030504040204" pitchFamily="50" charset="-128"/>
+            </a:endParaRPr>
+          </a:p>
+        </p:txBody>
+      </p:sp>
+      <p:sp>
+        <p:nvSpPr>
+          <p:cNvPr id="43" name="テキスト ボックス 42"/>
+          <p:cNvSpPr txBox="1"/>
+          <p:nvPr/>
+        </p:nvSpPr>
+        <p:spPr>
+          <a:xfrm>
+            <a:off x="5796591" y="2759734"/>
+            <a:ext cx="2172748" cy="369332"/>
+          </a:xfrm>
+          <a:prstGeom prst="rect">
+            <a:avLst/>
+          </a:prstGeom>
+          <a:noFill/>
+        </p:spPr>
+        <p:txBody>
+          <a:bodyPr wrap="square" rtlCol="0">
+            <a:spAutoFit/>
+          </a:bodyPr>
+          <a:lstStyle/>
+          <a:p>
+            <a:r>
+              <a:rPr lang="en-US" altLang="ja-JP" dirty="0">
+                <a:latin typeface="Meiryo UI" panose="020B0604030504040204" pitchFamily="50" charset="-128"/>
+                <a:ea typeface="Meiryo UI" panose="020B0604030504040204" pitchFamily="50" charset="-128"/>
+                <a:cs typeface="Meiryo UI" panose="020B0604030504040204" pitchFamily="50" charset="-128"/>
+              </a:rPr>
+              <a:t>p</a:t>
+            </a:r>
+            <a:r>
+              <a:rPr lang="en-US" altLang="ja-JP" dirty="0" smtClean="0">
+                <a:latin typeface="Meiryo UI" panose="020B0604030504040204" pitchFamily="50" charset="-128"/>
+                <a:ea typeface="Meiryo UI" panose="020B0604030504040204" pitchFamily="50" charset="-128"/>
+                <a:cs typeface="Meiryo UI" panose="020B0604030504040204" pitchFamily="50" charset="-128"/>
+              </a:rPr>
+              <a:t>(s</a:t>
+            </a:r>
+            <a:r>
+              <a:rPr lang="en-US" altLang="ja-JP" dirty="0" smtClean="0">
+                <a:latin typeface="Meiryo UI" panose="020B0604030504040204" pitchFamily="50" charset="-128"/>
+                <a:ea typeface="Meiryo UI" panose="020B0604030504040204" pitchFamily="50" charset="-128"/>
+                <a:cs typeface="Meiryo UI" panose="020B0604030504040204" pitchFamily="50" charset="-128"/>
+              </a:rPr>
+              <a:t>,</a:t>
+            </a:r>
+            <a:r>
+              <a:rPr lang="ja-JP" altLang="en-US" dirty="0" smtClean="0">
+                <a:latin typeface="Meiryo UI" panose="020B0604030504040204" pitchFamily="50" charset="-128"/>
+                <a:ea typeface="Meiryo UI" panose="020B0604030504040204" pitchFamily="50" charset="-128"/>
+                <a:cs typeface="Meiryo UI" panose="020B0604030504040204" pitchFamily="50" charset="-128"/>
+              </a:rPr>
+              <a:t>左に押す</a:t>
+            </a:r>
+            <a:r>
+              <a:rPr lang="en-US" altLang="ja-JP" dirty="0" smtClean="0">
+                <a:latin typeface="Meiryo UI" panose="020B0604030504040204" pitchFamily="50" charset="-128"/>
+                <a:ea typeface="Meiryo UI" panose="020B0604030504040204" pitchFamily="50" charset="-128"/>
+                <a:cs typeface="Meiryo UI" panose="020B0604030504040204" pitchFamily="50" charset="-128"/>
+              </a:rPr>
+              <a:t>)</a:t>
+            </a:r>
+            <a:endParaRPr kumimoji="1" lang="ja-JP" altLang="en-US" dirty="0">
+              <a:latin typeface="Meiryo UI" panose="020B0604030504040204" pitchFamily="50" charset="-128"/>
+              <a:ea typeface="Meiryo UI" panose="020B0604030504040204" pitchFamily="50" charset="-128"/>
+              <a:cs typeface="Meiryo UI" panose="020B0604030504040204" pitchFamily="50" charset="-128"/>
+            </a:endParaRPr>
+          </a:p>
+        </p:txBody>
+      </p:sp>
+      <p:sp>
+        <p:nvSpPr>
+          <p:cNvPr id="46" name="テキスト ボックス 45"/>
+          <p:cNvSpPr txBox="1"/>
+          <p:nvPr/>
+        </p:nvSpPr>
+        <p:spPr>
+          <a:xfrm>
+            <a:off x="3111245" y="5420077"/>
+            <a:ext cx="2172748" cy="646331"/>
+          </a:xfrm>
+          <a:prstGeom prst="rect">
+            <a:avLst/>
+          </a:prstGeom>
+          <a:noFill/>
+        </p:spPr>
+        <p:txBody>
+          <a:bodyPr wrap="square" rtlCol="0">
+            <a:spAutoFit/>
+          </a:bodyPr>
+          <a:lstStyle/>
+          <a:p>
+            <a:r>
+              <a:rPr lang="ja-JP" altLang="en-US" dirty="0" smtClean="0">
                 <a:solidFill>
-                  <a:srgbClr val="FF0000"/>
+                  <a:schemeClr val="accent6">
+                    <a:lumMod val="75000"/>
+                  </a:schemeClr>
                 </a:solidFill>
-                <a:latin typeface="メイリオ" panose="020B0604030504040204" pitchFamily="50" charset="-128"/>
-                <a:ea typeface="メイリオ" panose="020B0604030504040204" pitchFamily="50" charset="-128"/>
-                <a:cs typeface="メイリオ" panose="020B0604030504040204" pitchFamily="50" charset="-128"/>
-              </a:rPr>
-              <a:t>Python</a:t>
-            </a:r>
-            <a:r>
-              <a:rPr lang="ja-JP" altLang="en-US" sz="2400" b="1" dirty="0" smtClean="0">
+                <a:latin typeface="Meiryo UI" panose="020B0604030504040204" pitchFamily="50" charset="-128"/>
+                <a:ea typeface="Meiryo UI" panose="020B0604030504040204" pitchFamily="50" charset="-128"/>
+                <a:cs typeface="Meiryo UI" panose="020B0604030504040204" pitchFamily="50" charset="-128"/>
+              </a:rPr>
+              <a:t>活性化関数</a:t>
+            </a:r>
+            <a:endParaRPr lang="en-US" altLang="ja-JP" dirty="0" smtClean="0">
+              <a:solidFill>
+                <a:schemeClr val="accent6">
+                  <a:lumMod val="75000"/>
+                </a:schemeClr>
+              </a:solidFill>
+              <a:latin typeface="Meiryo UI" panose="020B0604030504040204" pitchFamily="50" charset="-128"/>
+              <a:ea typeface="Meiryo UI" panose="020B0604030504040204" pitchFamily="50" charset="-128"/>
+              <a:cs typeface="Meiryo UI" panose="020B0604030504040204" pitchFamily="50" charset="-128"/>
+            </a:endParaRPr>
+          </a:p>
+          <a:p>
+            <a:r>
+              <a:rPr lang="en-US" altLang="ja-JP" dirty="0" smtClean="0">
                 <a:solidFill>
-                  <a:srgbClr val="FF0000"/>
+                  <a:schemeClr val="accent6">
+                    <a:lumMod val="75000"/>
+                  </a:schemeClr>
                 </a:solidFill>
-                <a:latin typeface="メイリオ" panose="020B0604030504040204" pitchFamily="50" charset="-128"/>
-                <a:ea typeface="メイリオ" panose="020B0604030504040204" pitchFamily="50" charset="-128"/>
-                <a:cs typeface="メイリオ" panose="020B0604030504040204" pitchFamily="50" charset="-128"/>
-              </a:rPr>
-              <a:t>で機械学習</a:t>
-            </a:r>
-            <a:endParaRPr lang="en-US" altLang="ja-JP" sz="2400" b="1" dirty="0" smtClean="0">
+                <a:latin typeface="Meiryo UI" panose="020B0604030504040204" pitchFamily="50" charset="-128"/>
+                <a:ea typeface="Meiryo UI" panose="020B0604030504040204" pitchFamily="50" charset="-128"/>
+                <a:cs typeface="Meiryo UI" panose="020B0604030504040204" pitchFamily="50" charset="-128"/>
+              </a:rPr>
+              <a:t>RELU</a:t>
+            </a:r>
+            <a:endParaRPr kumimoji="1" lang="ja-JP" altLang="en-US" dirty="0">
               <a:solidFill>
-                <a:srgbClr val="FF0000"/>
+                <a:schemeClr val="accent6">
+                  <a:lumMod val="75000"/>
+                </a:schemeClr>
               </a:solidFill>
-              <a:latin typeface="メイリオ" panose="020B0604030504040204" pitchFamily="50" charset="-128"/>
-              <a:ea typeface="メイリオ" panose="020B0604030504040204" pitchFamily="50" charset="-128"/>
-              <a:cs typeface="メイリオ" panose="020B0604030504040204" pitchFamily="50" charset="-128"/>
+              <a:latin typeface="Meiryo UI" panose="020B0604030504040204" pitchFamily="50" charset="-128"/>
+              <a:ea typeface="Meiryo UI" panose="020B0604030504040204" pitchFamily="50" charset="-128"/>
+              <a:cs typeface="Meiryo UI" panose="020B0604030504040204" pitchFamily="50" charset="-128"/>
             </a:endParaRPr>
           </a:p>
-          <a:p>
-            <a:pPr algn="ctr">
-              <a:lnSpc>
-                <a:spcPct val="110000"/>
-              </a:lnSpc>
-            </a:pPr>
-            <a:r>
-              <a:rPr lang="en-US" altLang="ja-JP" sz="2400" b="1" dirty="0" smtClean="0">
+        </p:txBody>
+      </p:sp>
+      <p:sp>
+        <p:nvSpPr>
+          <p:cNvPr id="48" name="テキスト ボックス 47"/>
+          <p:cNvSpPr txBox="1"/>
+          <p:nvPr/>
+        </p:nvSpPr>
+        <p:spPr>
+          <a:xfrm>
+            <a:off x="5707325" y="1031987"/>
+            <a:ext cx="2172748" cy="646331"/>
+          </a:xfrm>
+          <a:prstGeom prst="rect">
+            <a:avLst/>
+          </a:prstGeom>
+          <a:noFill/>
+        </p:spPr>
+        <p:txBody>
+          <a:bodyPr wrap="square" rtlCol="0">
+            <a:spAutoFit/>
+          </a:bodyPr>
+          <a:lstStyle/>
+          <a:p>
+            <a:r>
+              <a:rPr lang="ja-JP" altLang="en-US" dirty="0" smtClean="0">
                 <a:solidFill>
                   <a:srgbClr val="0070C0"/>
                 </a:solidFill>
-                <a:latin typeface="メイリオ" panose="020B0604030504040204" pitchFamily="50" charset="-128"/>
-                <a:ea typeface="メイリオ" panose="020B0604030504040204" pitchFamily="50" charset="-128"/>
-                <a:cs typeface="メイリオ" panose="020B0604030504040204" pitchFamily="50" charset="-128"/>
-              </a:rPr>
-              <a:t>[2]DQN</a:t>
-            </a:r>
-            <a:r>
-              <a:rPr lang="ja-JP" altLang="en-US" sz="2400" b="1" dirty="0" err="1" smtClean="0">
+                <a:latin typeface="Meiryo UI" panose="020B0604030504040204" pitchFamily="50" charset="-128"/>
+                <a:ea typeface="Meiryo UI" panose="020B0604030504040204" pitchFamily="50" charset="-128"/>
+                <a:cs typeface="Meiryo UI" panose="020B0604030504040204" pitchFamily="50" charset="-128"/>
+              </a:rPr>
+              <a:t>活性化関数</a:t>
+            </a:r>
+            <a:r>
+              <a:rPr lang="en-US" altLang="ja-JP" dirty="0" err="1" smtClean="0">
                 <a:solidFill>
                   <a:srgbClr val="0070C0"/>
                 </a:solidFill>
-                <a:latin typeface="メイリオ" panose="020B0604030504040204" pitchFamily="50" charset="-128"/>
-                <a:ea typeface="メイリオ" panose="020B0604030504040204" pitchFamily="50" charset="-128"/>
-                <a:cs typeface="メイリオ" panose="020B0604030504040204" pitchFamily="50" charset="-128"/>
-              </a:rPr>
-              <a:t>、</a:t>
-            </a:r>
-            <a:r>
-              <a:rPr lang="en-US" altLang="ja-JP" sz="2400" b="1" dirty="0" smtClean="0">
-                <a:solidFill>
-                  <a:srgbClr val="0070C0"/>
-                </a:solidFill>
-                <a:latin typeface="メイリオ" panose="020B0604030504040204" pitchFamily="50" charset="-128"/>
-                <a:ea typeface="メイリオ" panose="020B0604030504040204" pitchFamily="50" charset="-128"/>
-                <a:cs typeface="メイリオ" panose="020B0604030504040204" pitchFamily="50" charset="-128"/>
-              </a:rPr>
-              <a:t>DDQN</a:t>
-            </a:r>
-          </a:p>
-          <a:p>
-            <a:pPr algn="ctr">
-              <a:lnSpc>
-                <a:spcPct val="110000"/>
-              </a:lnSpc>
-            </a:pPr>
-            <a:r>
-              <a:rPr lang="ja-JP" altLang="en-US" sz="2400" b="1" dirty="0">
-                <a:solidFill>
-                  <a:srgbClr val="0070C0"/>
-                </a:solidFill>
-                <a:latin typeface="メイリオ" panose="020B0604030504040204" pitchFamily="50" charset="-128"/>
-                <a:ea typeface="メイリオ" panose="020B0604030504040204" pitchFamily="50" charset="-128"/>
-                <a:cs typeface="メイリオ" panose="020B0604030504040204" pitchFamily="50" charset="-128"/>
-              </a:rPr>
-              <a:t>強化</a:t>
-            </a:r>
-            <a:r>
-              <a:rPr lang="ja-JP" altLang="en-US" sz="2400" b="1" dirty="0" smtClean="0">
-                <a:solidFill>
-                  <a:srgbClr val="0070C0"/>
-                </a:solidFill>
-                <a:latin typeface="メイリオ" panose="020B0604030504040204" pitchFamily="50" charset="-128"/>
-                <a:ea typeface="メイリオ" panose="020B0604030504040204" pitchFamily="50" charset="-128"/>
-                <a:cs typeface="メイリオ" panose="020B0604030504040204" pitchFamily="50" charset="-128"/>
-              </a:rPr>
-              <a:t>学習</a:t>
-            </a:r>
-            <a:endParaRPr lang="en-US" altLang="ja-JP" sz="2400" b="1" dirty="0" smtClean="0">
+                <a:latin typeface="Meiryo UI" panose="020B0604030504040204" pitchFamily="50" charset="-128"/>
+                <a:ea typeface="Meiryo UI" panose="020B0604030504040204" pitchFamily="50" charset="-128"/>
+                <a:cs typeface="Meiryo UI" panose="020B0604030504040204" pitchFamily="50" charset="-128"/>
+              </a:rPr>
+              <a:t>SoftMax</a:t>
+            </a:r>
+            <a:endParaRPr kumimoji="1" lang="ja-JP" altLang="en-US" dirty="0">
               <a:solidFill>
                 <a:srgbClr val="0070C0"/>
               </a:solidFill>
-              <a:latin typeface="メイリオ" panose="020B0604030504040204" pitchFamily="50" charset="-128"/>
-              <a:ea typeface="メイリオ" panose="020B0604030504040204" pitchFamily="50" charset="-128"/>
-              <a:cs typeface="メイリオ" panose="020B0604030504040204" pitchFamily="50" charset="-128"/>
+              <a:latin typeface="Meiryo UI" panose="020B0604030504040204" pitchFamily="50" charset="-128"/>
+              <a:ea typeface="Meiryo UI" panose="020B0604030504040204" pitchFamily="50" charset="-128"/>
+              <a:cs typeface="Meiryo UI" panose="020B0604030504040204" pitchFamily="50" charset="-128"/>
             </a:endParaRPr>
           </a:p>
         </p:txBody>
       </p:sp>
-      <p:pic>
-        <p:nvPicPr>
-          <p:cNvPr id="6" name="図 5"/>
-          <p:cNvPicPr>
-            <a:picLocks noChangeAspect="1"/>
-          </p:cNvPicPr>
-          <p:nvPr/>
-        </p:nvPicPr>
-        <p:blipFill rotWithShape="1">
-          <a:blip r:embed="rId2"/>
-          <a:srcRect l="24000" t="63482" r="51500" b="6296"/>
-          <a:stretch/>
-        </p:blipFill>
-        <p:spPr>
-          <a:xfrm>
-            <a:off x="631304" y="1518840"/>
-            <a:ext cx="2589375" cy="1796709"/>
+      <p:sp>
+        <p:nvSpPr>
+          <p:cNvPr id="53" name="円/楕円 52"/>
+          <p:cNvSpPr/>
+          <p:nvPr/>
+        </p:nvSpPr>
+        <p:spPr>
+          <a:xfrm>
+            <a:off x="5085147" y="3747323"/>
+            <a:ext cx="679509" cy="679509"/>
+          </a:xfrm>
+          <a:prstGeom prst="ellipse">
+            <a:avLst/>
+          </a:prstGeom>
+          <a:solidFill>
+            <a:srgbClr val="FB5635"/>
+          </a:solidFill>
+          <a:ln>
+            <a:noFill/>
+          </a:ln>
+          <a:effectLst>
+            <a:outerShdw blurRad="44450" dist="27940" dir="5400000" algn="ctr">
+              <a:srgbClr val="000000">
+                <a:alpha val="32000"/>
+              </a:srgbClr>
+            </a:outerShdw>
+          </a:effectLst>
+          <a:scene3d>
+            <a:camera prst="orthographicFront">
+              <a:rot lat="0" lon="0" rev="0"/>
+            </a:camera>
+            <a:lightRig rig="balanced" dir="t">
+              <a:rot lat="0" lon="0" rev="8700000"/>
+            </a:lightRig>
+          </a:scene3d>
+          <a:sp3d>
+            <a:bevelT w="190500" h="38100"/>
+          </a:sp3d>
+        </p:spPr>
+        <p:style>
+          <a:lnRef idx="2">
+            <a:schemeClr val="accent1">
+              <a:shade val="50000"/>
+            </a:schemeClr>
+          </a:lnRef>
+          <a:fillRef idx="1">
+            <a:schemeClr val="accent1"/>
+          </a:fillRef>
+          <a:effectRef idx="0">
+            <a:schemeClr val="accent1"/>
+          </a:effectRef>
+          <a:fontRef idx="minor">
+            <a:schemeClr val="lt1"/>
+          </a:fontRef>
+        </p:style>
+        <p:txBody>
+          <a:bodyPr rtlCol="0" anchor="ctr"/>
+          <a:lstStyle/>
+          <a:p>
+            <a:pPr algn="ctr"/>
+            <a:endParaRPr kumimoji="1" lang="ja-JP" altLang="en-US"/>
+          </a:p>
+        </p:txBody>
+      </p:sp>
+      <p:sp>
+        <p:nvSpPr>
+          <p:cNvPr id="55" name="テキスト ボックス 54"/>
+          <p:cNvSpPr txBox="1"/>
+          <p:nvPr/>
+        </p:nvSpPr>
+        <p:spPr>
+          <a:xfrm>
+            <a:off x="5764656" y="3949513"/>
+            <a:ext cx="2172748" cy="369332"/>
           </a:xfrm>
           <a:prstGeom prst="rect">
             <a:avLst/>
           </a:prstGeom>
-        </p:spPr>
-      </p:pic>
+          <a:noFill/>
+        </p:spPr>
+        <p:txBody>
+          <a:bodyPr wrap="square" rtlCol="0">
+            <a:spAutoFit/>
+          </a:bodyPr>
+          <a:lstStyle/>
+          <a:p>
+            <a:r>
+              <a:rPr lang="en-US" altLang="ja-JP" dirty="0" smtClean="0">
+                <a:latin typeface="Meiryo UI" panose="020B0604030504040204" pitchFamily="50" charset="-128"/>
+                <a:ea typeface="Meiryo UI" panose="020B0604030504040204" pitchFamily="50" charset="-128"/>
+                <a:cs typeface="Meiryo UI" panose="020B0604030504040204" pitchFamily="50" charset="-128"/>
+              </a:rPr>
+              <a:t>V(s)</a:t>
+            </a:r>
+            <a:endParaRPr kumimoji="1" lang="ja-JP" altLang="en-US" dirty="0">
+              <a:latin typeface="Meiryo UI" panose="020B0604030504040204" pitchFamily="50" charset="-128"/>
+              <a:ea typeface="Meiryo UI" panose="020B0604030504040204" pitchFamily="50" charset="-128"/>
+              <a:cs typeface="Meiryo UI" panose="020B0604030504040204" pitchFamily="50" charset="-128"/>
+            </a:endParaRPr>
+          </a:p>
+        </p:txBody>
+      </p:sp>
+      <p:sp>
+        <p:nvSpPr>
+          <p:cNvPr id="56" name="テキスト ボックス 55"/>
+          <p:cNvSpPr txBox="1"/>
+          <p:nvPr/>
+        </p:nvSpPr>
+        <p:spPr>
+          <a:xfrm>
+            <a:off x="5728080" y="4300790"/>
+            <a:ext cx="2172748" cy="646331"/>
+          </a:xfrm>
+          <a:prstGeom prst="rect">
+            <a:avLst/>
+          </a:prstGeom>
+          <a:noFill/>
+        </p:spPr>
+        <p:txBody>
+          <a:bodyPr wrap="square" rtlCol="0">
+            <a:spAutoFit/>
+          </a:bodyPr>
+          <a:lstStyle/>
+          <a:p>
+            <a:r>
+              <a:rPr lang="ja-JP" altLang="en-US" dirty="0" smtClean="0">
+                <a:solidFill>
+                  <a:schemeClr val="accent2"/>
+                </a:solidFill>
+                <a:latin typeface="Meiryo UI" panose="020B0604030504040204" pitchFamily="50" charset="-128"/>
+                <a:ea typeface="Meiryo UI" panose="020B0604030504040204" pitchFamily="50" charset="-128"/>
+                <a:cs typeface="Meiryo UI" panose="020B0604030504040204" pitchFamily="50" charset="-128"/>
+              </a:rPr>
+              <a:t>活性化関数</a:t>
+            </a:r>
+            <a:endParaRPr lang="en-US" altLang="ja-JP" dirty="0" smtClean="0">
+              <a:solidFill>
+                <a:schemeClr val="accent2"/>
+              </a:solidFill>
+              <a:latin typeface="Meiryo UI" panose="020B0604030504040204" pitchFamily="50" charset="-128"/>
+              <a:ea typeface="Meiryo UI" panose="020B0604030504040204" pitchFamily="50" charset="-128"/>
+              <a:cs typeface="Meiryo UI" panose="020B0604030504040204" pitchFamily="50" charset="-128"/>
+            </a:endParaRPr>
+          </a:p>
+          <a:p>
+            <a:r>
+              <a:rPr lang="en-US" altLang="ja-JP" dirty="0" smtClean="0">
+                <a:solidFill>
+                  <a:schemeClr val="accent2"/>
+                </a:solidFill>
+                <a:latin typeface="Meiryo UI" panose="020B0604030504040204" pitchFamily="50" charset="-128"/>
+                <a:ea typeface="Meiryo UI" panose="020B0604030504040204" pitchFamily="50" charset="-128"/>
+                <a:cs typeface="Meiryo UI" panose="020B0604030504040204" pitchFamily="50" charset="-128"/>
+              </a:rPr>
+              <a:t>Linear</a:t>
+            </a:r>
+            <a:endParaRPr kumimoji="1" lang="ja-JP" altLang="en-US" dirty="0">
+              <a:solidFill>
+                <a:schemeClr val="accent2"/>
+              </a:solidFill>
+              <a:latin typeface="Meiryo UI" panose="020B0604030504040204" pitchFamily="50" charset="-128"/>
+              <a:ea typeface="Meiryo UI" panose="020B0604030504040204" pitchFamily="50" charset="-128"/>
+              <a:cs typeface="Meiryo UI" panose="020B0604030504040204" pitchFamily="50" charset="-128"/>
+            </a:endParaRPr>
+          </a:p>
+        </p:txBody>
+      </p:sp>
     </p:spTree>
     <p:extLst>
       <p:ext uri="{BB962C8B-B14F-4D97-AF65-F5344CB8AC3E}">
-        <p14:creationId xmlns:p14="http://schemas.microsoft.com/office/powerpoint/2010/main" val="4150287166"/>
+        <p14:creationId xmlns:p14="http://schemas.microsoft.com/office/powerpoint/2010/main" val="968075142"/>
       </p:ext>
     </p:extLst>
   </p:cSld>
@@ -5403,6 +6828,1827 @@
       </p:grpSpPr>
       <p:sp>
         <p:nvSpPr>
+          <p:cNvPr id="4" name="正方形/長方形 3"/>
+          <p:cNvSpPr/>
+          <p:nvPr/>
+        </p:nvSpPr>
+        <p:spPr>
+          <a:xfrm>
+            <a:off x="279660" y="95090"/>
+            <a:ext cx="3292665" cy="3308422"/>
+          </a:xfrm>
+          <a:prstGeom prst="rect">
+            <a:avLst/>
+          </a:prstGeom>
+          <a:solidFill>
+            <a:schemeClr val="bg1"/>
+          </a:solidFill>
+          <a:ln>
+            <a:noFill/>
+          </a:ln>
+        </p:spPr>
+        <p:style>
+          <a:lnRef idx="2">
+            <a:schemeClr val="accent1">
+              <a:shade val="50000"/>
+            </a:schemeClr>
+          </a:lnRef>
+          <a:fillRef idx="1">
+            <a:schemeClr val="accent1"/>
+          </a:fillRef>
+          <a:effectRef idx="0">
+            <a:schemeClr val="accent1"/>
+          </a:effectRef>
+          <a:fontRef idx="minor">
+            <a:schemeClr val="lt1"/>
+          </a:fontRef>
+        </p:style>
+        <p:txBody>
+          <a:bodyPr rtlCol="0" anchor="ctr"/>
+          <a:lstStyle/>
+          <a:p>
+            <a:pPr algn="ctr"/>
+            <a:endParaRPr kumimoji="1" lang="ja-JP" altLang="en-US" dirty="0"/>
+          </a:p>
+        </p:txBody>
+      </p:sp>
+      <p:sp>
+        <p:nvSpPr>
+          <p:cNvPr id="5" name="テキスト ボックス 4"/>
+          <p:cNvSpPr txBox="1"/>
+          <p:nvPr/>
+        </p:nvSpPr>
+        <p:spPr>
+          <a:xfrm>
+            <a:off x="279660" y="207712"/>
+            <a:ext cx="3292665" cy="1311128"/>
+          </a:xfrm>
+          <a:prstGeom prst="rect">
+            <a:avLst/>
+          </a:prstGeom>
+          <a:noFill/>
+        </p:spPr>
+        <p:txBody>
+          <a:bodyPr wrap="square" rtlCol="0">
+            <a:spAutoFit/>
+          </a:bodyPr>
+          <a:lstStyle/>
+          <a:p>
+            <a:pPr algn="ctr">
+              <a:lnSpc>
+                <a:spcPct val="110000"/>
+              </a:lnSpc>
+            </a:pPr>
+            <a:r>
+              <a:rPr lang="en-US" altLang="ja-JP" sz="2400" b="1" dirty="0" smtClean="0">
+                <a:solidFill>
+                  <a:srgbClr val="FF0000"/>
+                </a:solidFill>
+                <a:latin typeface="メイリオ" panose="020B0604030504040204" pitchFamily="50" charset="-128"/>
+                <a:ea typeface="メイリオ" panose="020B0604030504040204" pitchFamily="50" charset="-128"/>
+                <a:cs typeface="メイリオ" panose="020B0604030504040204" pitchFamily="50" charset="-128"/>
+              </a:rPr>
+              <a:t>Python</a:t>
+            </a:r>
+            <a:r>
+              <a:rPr lang="ja-JP" altLang="en-US" sz="2400" b="1" dirty="0" smtClean="0">
+                <a:solidFill>
+                  <a:srgbClr val="FF0000"/>
+                </a:solidFill>
+                <a:latin typeface="メイリオ" panose="020B0604030504040204" pitchFamily="50" charset="-128"/>
+                <a:ea typeface="メイリオ" panose="020B0604030504040204" pitchFamily="50" charset="-128"/>
+                <a:cs typeface="メイリオ" panose="020B0604030504040204" pitchFamily="50" charset="-128"/>
+              </a:rPr>
+              <a:t>で機械学習</a:t>
+            </a:r>
+            <a:endParaRPr lang="en-US" altLang="ja-JP" sz="2400" b="1" dirty="0" smtClean="0">
+              <a:solidFill>
+                <a:srgbClr val="FF0000"/>
+              </a:solidFill>
+              <a:latin typeface="メイリオ" panose="020B0604030504040204" pitchFamily="50" charset="-128"/>
+              <a:ea typeface="メイリオ" panose="020B0604030504040204" pitchFamily="50" charset="-128"/>
+              <a:cs typeface="メイリオ" panose="020B0604030504040204" pitchFamily="50" charset="-128"/>
+            </a:endParaRPr>
+          </a:p>
+          <a:p>
+            <a:pPr algn="ctr">
+              <a:lnSpc>
+                <a:spcPct val="110000"/>
+              </a:lnSpc>
+            </a:pPr>
+            <a:r>
+              <a:rPr lang="en-US" altLang="ja-JP" sz="2400" b="1" dirty="0" smtClean="0">
+                <a:solidFill>
+                  <a:srgbClr val="0070C0"/>
+                </a:solidFill>
+                <a:latin typeface="メイリオ" panose="020B0604030504040204" pitchFamily="50" charset="-128"/>
+                <a:ea typeface="メイリオ" panose="020B0604030504040204" pitchFamily="50" charset="-128"/>
+                <a:cs typeface="メイリオ" panose="020B0604030504040204" pitchFamily="50" charset="-128"/>
+              </a:rPr>
+              <a:t>[2]DQN</a:t>
+            </a:r>
+            <a:r>
+              <a:rPr lang="ja-JP" altLang="en-US" sz="2400" b="1" dirty="0" err="1" smtClean="0">
+                <a:solidFill>
+                  <a:srgbClr val="0070C0"/>
+                </a:solidFill>
+                <a:latin typeface="メイリオ" panose="020B0604030504040204" pitchFamily="50" charset="-128"/>
+                <a:ea typeface="メイリオ" panose="020B0604030504040204" pitchFamily="50" charset="-128"/>
+                <a:cs typeface="メイリオ" panose="020B0604030504040204" pitchFamily="50" charset="-128"/>
+              </a:rPr>
+              <a:t>、</a:t>
+            </a:r>
+            <a:r>
+              <a:rPr lang="en-US" altLang="ja-JP" sz="2400" b="1" dirty="0" smtClean="0">
+                <a:solidFill>
+                  <a:srgbClr val="0070C0"/>
+                </a:solidFill>
+                <a:latin typeface="メイリオ" panose="020B0604030504040204" pitchFamily="50" charset="-128"/>
+                <a:ea typeface="メイリオ" panose="020B0604030504040204" pitchFamily="50" charset="-128"/>
+                <a:cs typeface="メイリオ" panose="020B0604030504040204" pitchFamily="50" charset="-128"/>
+              </a:rPr>
+              <a:t>DDQN</a:t>
+            </a:r>
+          </a:p>
+          <a:p>
+            <a:pPr algn="ctr">
+              <a:lnSpc>
+                <a:spcPct val="110000"/>
+              </a:lnSpc>
+            </a:pPr>
+            <a:r>
+              <a:rPr lang="ja-JP" altLang="en-US" sz="2400" b="1" dirty="0">
+                <a:solidFill>
+                  <a:srgbClr val="0070C0"/>
+                </a:solidFill>
+                <a:latin typeface="メイリオ" panose="020B0604030504040204" pitchFamily="50" charset="-128"/>
+                <a:ea typeface="メイリオ" panose="020B0604030504040204" pitchFamily="50" charset="-128"/>
+                <a:cs typeface="メイリオ" panose="020B0604030504040204" pitchFamily="50" charset="-128"/>
+              </a:rPr>
+              <a:t>強化</a:t>
+            </a:r>
+            <a:r>
+              <a:rPr lang="ja-JP" altLang="en-US" sz="2400" b="1" dirty="0" smtClean="0">
+                <a:solidFill>
+                  <a:srgbClr val="0070C0"/>
+                </a:solidFill>
+                <a:latin typeface="メイリオ" panose="020B0604030504040204" pitchFamily="50" charset="-128"/>
+                <a:ea typeface="メイリオ" panose="020B0604030504040204" pitchFamily="50" charset="-128"/>
+                <a:cs typeface="メイリオ" panose="020B0604030504040204" pitchFamily="50" charset="-128"/>
+              </a:rPr>
+              <a:t>学習</a:t>
+            </a:r>
+            <a:endParaRPr lang="en-US" altLang="ja-JP" sz="2400" b="1" dirty="0" smtClean="0">
+              <a:solidFill>
+                <a:srgbClr val="0070C0"/>
+              </a:solidFill>
+              <a:latin typeface="メイリオ" panose="020B0604030504040204" pitchFamily="50" charset="-128"/>
+              <a:ea typeface="メイリオ" panose="020B0604030504040204" pitchFamily="50" charset="-128"/>
+              <a:cs typeface="メイリオ" panose="020B0604030504040204" pitchFamily="50" charset="-128"/>
+            </a:endParaRPr>
+          </a:p>
+        </p:txBody>
+      </p:sp>
+      <p:pic>
+        <p:nvPicPr>
+          <p:cNvPr id="6" name="図 5"/>
+          <p:cNvPicPr>
+            <a:picLocks noChangeAspect="1"/>
+          </p:cNvPicPr>
+          <p:nvPr/>
+        </p:nvPicPr>
+        <p:blipFill rotWithShape="1">
+          <a:blip r:embed="rId2"/>
+          <a:srcRect l="24000" t="63482" r="51500" b="6296"/>
+          <a:stretch/>
+        </p:blipFill>
+        <p:spPr>
+          <a:xfrm>
+            <a:off x="631304" y="1518840"/>
+            <a:ext cx="2589375" cy="1796709"/>
+          </a:xfrm>
+          <a:prstGeom prst="rect">
+            <a:avLst/>
+          </a:prstGeom>
+        </p:spPr>
+      </p:pic>
+      <p:sp>
+        <p:nvSpPr>
+          <p:cNvPr id="2" name="正方形/長方形 1"/>
+          <p:cNvSpPr/>
+          <p:nvPr/>
+        </p:nvSpPr>
+        <p:spPr>
+          <a:xfrm>
+            <a:off x="4529328" y="738414"/>
+            <a:ext cx="6096000" cy="3970318"/>
+          </a:xfrm>
+          <a:prstGeom prst="rect">
+            <a:avLst/>
+          </a:prstGeom>
+        </p:spPr>
+        <p:txBody>
+          <a:bodyPr>
+            <a:spAutoFit/>
+          </a:bodyPr>
+          <a:lstStyle/>
+          <a:p>
+            <a:r>
+              <a:rPr lang="ja-JP" altLang="en-US" dirty="0" smtClean="0"/>
+              <a:t>1</a:t>
+            </a:r>
+            <a:r>
+              <a:rPr lang="ja-JP" altLang="en-US" dirty="0"/>
+              <a:t>. スレッドはParameter Serverからネットワークの重みをコピーする</a:t>
+            </a:r>
+          </a:p>
+          <a:p>
+            <a:r>
+              <a:rPr lang="ja-JP" altLang="en-US" dirty="0"/>
+              <a:t>2. スレッドのAgentは自分のネットワークに</a:t>
+            </a:r>
+            <a:r>
+              <a:rPr lang="ja-JP" altLang="en-US" dirty="0" err="1"/>
+              <a:t>s</a:t>
+            </a:r>
+            <a:r>
+              <a:rPr lang="ja-JP" altLang="en-US" dirty="0"/>
+              <a:t>を入力して、aを得る</a:t>
+            </a:r>
+          </a:p>
+          <a:p>
+            <a:r>
+              <a:rPr lang="ja-JP" altLang="en-US" dirty="0"/>
+              <a:t>3. aを実行し、r(t)とs_を得る</a:t>
+            </a:r>
+          </a:p>
+          <a:p>
+            <a:r>
+              <a:rPr lang="ja-JP" altLang="en-US" dirty="0"/>
+              <a:t>4. (</a:t>
+            </a:r>
+            <a:r>
+              <a:rPr lang="ja-JP" altLang="en-US" dirty="0" err="1"/>
+              <a:t>s</a:t>
+            </a:r>
+            <a:r>
+              <a:rPr lang="ja-JP" altLang="en-US" dirty="0"/>
+              <a:t>，a,</a:t>
+            </a:r>
+            <a:r>
+              <a:rPr lang="ja-JP" altLang="en-US" dirty="0" err="1"/>
+              <a:t>r</a:t>
+            </a:r>
+            <a:r>
+              <a:rPr lang="ja-JP" altLang="en-US" dirty="0"/>
+              <a:t>,s_)をスレッドのメモリに格納する</a:t>
+            </a:r>
+          </a:p>
+          <a:p>
+            <a:r>
+              <a:rPr lang="ja-JP" altLang="en-US" dirty="0"/>
+              <a:t>5. 2〜4を繰り返す(各スレッドでTmaxステップ経過もしくは、終端に達するまで)</a:t>
+            </a:r>
+          </a:p>
+          <a:p>
+            <a:r>
+              <a:rPr lang="ja-JP" altLang="en-US" dirty="0"/>
+              <a:t>6. 経験が十分に溜まったら、自分スレッドのメモリの内容を利用して、ネットワークの重みを更新させる方向gradを求める</a:t>
+            </a:r>
+          </a:p>
+          <a:p>
+            <a:r>
+              <a:rPr lang="ja-JP" altLang="en-US" dirty="0"/>
+              <a:t>4. gradをParameter Serverに渡す</a:t>
+            </a:r>
+          </a:p>
+          <a:p>
+            <a:r>
+              <a:rPr lang="ja-JP" altLang="en-US" dirty="0"/>
+              <a:t>5. Parameter Serverはgradの方向にParameter Serverのネットワークを更新する</a:t>
+            </a:r>
+          </a:p>
+          <a:p>
+            <a:r>
+              <a:rPr lang="ja-JP" altLang="en-US" dirty="0"/>
+              <a:t>6. 1.へ戻る</a:t>
+            </a:r>
+          </a:p>
+        </p:txBody>
+      </p:sp>
+      <p:pic>
+        <p:nvPicPr>
+          <p:cNvPr id="3" name="図 2"/>
+          <p:cNvPicPr>
+            <a:picLocks noChangeAspect="1"/>
+          </p:cNvPicPr>
+          <p:nvPr/>
+        </p:nvPicPr>
+        <p:blipFill>
+          <a:blip r:embed="rId3"/>
+          <a:stretch>
+            <a:fillRect/>
+          </a:stretch>
+        </p:blipFill>
+        <p:spPr>
+          <a:xfrm>
+            <a:off x="1045170" y="3720887"/>
+            <a:ext cx="2527155" cy="1662119"/>
+          </a:xfrm>
+          <a:prstGeom prst="rect">
+            <a:avLst/>
+          </a:prstGeom>
+        </p:spPr>
+      </p:pic>
+    </p:spTree>
+    <p:extLst>
+      <p:ext uri="{BB962C8B-B14F-4D97-AF65-F5344CB8AC3E}">
+        <p14:creationId xmlns:p14="http://schemas.microsoft.com/office/powerpoint/2010/main" val="4150287166"/>
+      </p:ext>
+    </p:extLst>
+  </p:cSld>
+  <p:clrMapOvr>
+    <a:masterClrMapping/>
+  </p:clrMapOvr>
+  <p:timing>
+    <p:tnLst>
+      <p:par>
+        <p:cTn id="1" dur="indefinite" restart="never" nodeType="tmRoot"/>
+      </p:par>
+    </p:tnLst>
+  </p:timing>
+</p:sld>
+</file>
+
+<file path=ppt/slides/slide4.xml><?xml version="1.0" encoding="utf-8"?>
+<p:sld xmlns:a="http://schemas.openxmlformats.org/drawingml/2006/main" xmlns:r="http://schemas.openxmlformats.org/officeDocument/2006/relationships" xmlns:p="http://schemas.openxmlformats.org/presentationml/2006/main">
+  <p:cSld>
+    <p:spTree>
+      <p:nvGrpSpPr>
+        <p:cNvPr id="1" name=""/>
+        <p:cNvGrpSpPr/>
+        <p:nvPr/>
+      </p:nvGrpSpPr>
+      <p:grpSpPr>
+        <a:xfrm>
+          <a:off x="0" y="0"/>
+          <a:ext cx="0" cy="0"/>
+          <a:chOff x="0" y="0"/>
+          <a:chExt cx="0" cy="0"/>
+        </a:xfrm>
+      </p:grpSpPr>
+      <p:sp>
+        <p:nvSpPr>
+          <p:cNvPr id="4" name="正方形/長方形 3"/>
+          <p:cNvSpPr/>
+          <p:nvPr/>
+        </p:nvSpPr>
+        <p:spPr>
+          <a:xfrm>
+            <a:off x="370840" y="246888"/>
+            <a:ext cx="7141464" cy="1929384"/>
+          </a:xfrm>
+          <a:prstGeom prst="rect">
+            <a:avLst/>
+          </a:prstGeom>
+        </p:spPr>
+        <p:style>
+          <a:lnRef idx="2">
+            <a:schemeClr val="accent2"/>
+          </a:lnRef>
+          <a:fillRef idx="1">
+            <a:schemeClr val="lt1"/>
+          </a:fillRef>
+          <a:effectRef idx="0">
+            <a:schemeClr val="accent2"/>
+          </a:effectRef>
+          <a:fontRef idx="minor">
+            <a:schemeClr val="dk1"/>
+          </a:fontRef>
+        </p:style>
+        <p:txBody>
+          <a:bodyPr rtlCol="0" anchor="t"/>
+          <a:lstStyle/>
+          <a:p>
+            <a:r>
+              <a:rPr kumimoji="1" lang="en-US" altLang="ja-JP" dirty="0" smtClean="0"/>
+              <a:t>Parameter Server</a:t>
+            </a:r>
+            <a:endParaRPr kumimoji="1" lang="ja-JP" altLang="en-US" dirty="0"/>
+          </a:p>
+        </p:txBody>
+      </p:sp>
+      <p:pic>
+        <p:nvPicPr>
+          <p:cNvPr id="5" name="図 4"/>
+          <p:cNvPicPr>
+            <a:picLocks noChangeAspect="1"/>
+          </p:cNvPicPr>
+          <p:nvPr/>
+        </p:nvPicPr>
+        <p:blipFill>
+          <a:blip r:embed="rId2"/>
+          <a:stretch>
+            <a:fillRect/>
+          </a:stretch>
+        </p:blipFill>
+        <p:spPr>
+          <a:xfrm>
+            <a:off x="2672914" y="441001"/>
+            <a:ext cx="2527155" cy="1662119"/>
+          </a:xfrm>
+          <a:prstGeom prst="rect">
+            <a:avLst/>
+          </a:prstGeom>
+        </p:spPr>
+      </p:pic>
+      <p:sp>
+        <p:nvSpPr>
+          <p:cNvPr id="6" name="正方形/長方形 5"/>
+          <p:cNvSpPr/>
+          <p:nvPr/>
+        </p:nvSpPr>
+        <p:spPr>
+          <a:xfrm>
+            <a:off x="353567" y="2602991"/>
+            <a:ext cx="6239257" cy="4348799"/>
+          </a:xfrm>
+          <a:prstGeom prst="rect">
+            <a:avLst/>
+          </a:prstGeom>
+        </p:spPr>
+        <p:style>
+          <a:lnRef idx="2">
+            <a:schemeClr val="accent5"/>
+          </a:lnRef>
+          <a:fillRef idx="1">
+            <a:schemeClr val="lt1"/>
+          </a:fillRef>
+          <a:effectRef idx="0">
+            <a:schemeClr val="accent5"/>
+          </a:effectRef>
+          <a:fontRef idx="minor">
+            <a:schemeClr val="dk1"/>
+          </a:fontRef>
+        </p:style>
+        <p:txBody>
+          <a:bodyPr rtlCol="0" anchor="t"/>
+          <a:lstStyle/>
+          <a:p>
+            <a:r>
+              <a:rPr kumimoji="1" lang="en-US" altLang="ja-JP" dirty="0" smtClean="0"/>
+              <a:t>Worker Thread</a:t>
+            </a:r>
+            <a:endParaRPr kumimoji="1" lang="ja-JP" altLang="en-US" dirty="0"/>
+          </a:p>
+        </p:txBody>
+      </p:sp>
+      <p:pic>
+        <p:nvPicPr>
+          <p:cNvPr id="7" name="図 6"/>
+          <p:cNvPicPr>
+            <a:picLocks noChangeAspect="1"/>
+          </p:cNvPicPr>
+          <p:nvPr/>
+        </p:nvPicPr>
+        <p:blipFill>
+          <a:blip r:embed="rId2"/>
+          <a:stretch>
+            <a:fillRect/>
+          </a:stretch>
+        </p:blipFill>
+        <p:spPr>
+          <a:xfrm>
+            <a:off x="1407994" y="2789485"/>
+            <a:ext cx="2527155" cy="1662119"/>
+          </a:xfrm>
+          <a:prstGeom prst="rect">
+            <a:avLst/>
+          </a:prstGeom>
+        </p:spPr>
+      </p:pic>
+      <p:sp>
+        <p:nvSpPr>
+          <p:cNvPr id="8" name="正方形/長方形 7"/>
+          <p:cNvSpPr/>
+          <p:nvPr/>
+        </p:nvSpPr>
+        <p:spPr>
+          <a:xfrm>
+            <a:off x="390144" y="4397246"/>
+            <a:ext cx="6202680" cy="2554545"/>
+          </a:xfrm>
+          <a:prstGeom prst="rect">
+            <a:avLst/>
+          </a:prstGeom>
+        </p:spPr>
+        <p:txBody>
+          <a:bodyPr wrap="square">
+            <a:spAutoFit/>
+          </a:bodyPr>
+          <a:lstStyle/>
+          <a:p>
+            <a:r>
+              <a:rPr lang="ja-JP" altLang="en-US" sz="1600" dirty="0" smtClean="0"/>
+              <a:t>1</a:t>
+            </a:r>
+            <a:r>
+              <a:rPr lang="ja-JP" altLang="en-US" sz="1600" dirty="0"/>
+              <a:t>. スレッドはParameter Serverからネットワークの重みをコピーする</a:t>
+            </a:r>
+          </a:p>
+          <a:p>
+            <a:r>
+              <a:rPr lang="ja-JP" altLang="en-US" sz="1600" dirty="0"/>
+              <a:t>2. スレッドのAgentは自分のネットワークに</a:t>
+            </a:r>
+            <a:r>
+              <a:rPr lang="ja-JP" altLang="en-US" sz="1600" dirty="0" err="1"/>
+              <a:t>s</a:t>
+            </a:r>
+            <a:r>
+              <a:rPr lang="ja-JP" altLang="en-US" sz="1600" dirty="0"/>
+              <a:t>を入力して、aを得る</a:t>
+            </a:r>
+          </a:p>
+          <a:p>
+            <a:r>
+              <a:rPr lang="ja-JP" altLang="en-US" sz="1600" dirty="0"/>
+              <a:t>3. aを実行し、r(t</a:t>
+            </a:r>
+            <a:r>
+              <a:rPr lang="ja-JP" altLang="en-US" sz="1600" dirty="0" smtClean="0"/>
+              <a:t>) と</a:t>
+            </a:r>
+            <a:r>
+              <a:rPr lang="ja-JP" altLang="en-US" sz="1600" dirty="0"/>
+              <a:t>s_を得る</a:t>
+            </a:r>
+          </a:p>
+          <a:p>
+            <a:r>
+              <a:rPr lang="ja-JP" altLang="en-US" sz="1600" dirty="0"/>
+              <a:t>4. (</a:t>
+            </a:r>
+            <a:r>
+              <a:rPr lang="ja-JP" altLang="en-US" sz="1600" dirty="0" err="1"/>
+              <a:t>s</a:t>
+            </a:r>
+            <a:r>
+              <a:rPr lang="ja-JP" altLang="en-US" sz="1600" dirty="0"/>
+              <a:t>，a</a:t>
+            </a:r>
+            <a:r>
+              <a:rPr lang="ja-JP" altLang="en-US" sz="1600" dirty="0" smtClean="0"/>
+              <a:t>, </a:t>
+            </a:r>
+            <a:r>
+              <a:rPr lang="ja-JP" altLang="en-US" sz="1600" dirty="0" err="1" smtClean="0"/>
+              <a:t>r</a:t>
+            </a:r>
+            <a:r>
+              <a:rPr lang="ja-JP" altLang="en-US" sz="1600" dirty="0" smtClean="0"/>
+              <a:t>, s_) を</a:t>
+            </a:r>
+            <a:r>
+              <a:rPr lang="ja-JP" altLang="en-US" sz="1600" dirty="0"/>
+              <a:t>スレッドのメモリに格納する</a:t>
+            </a:r>
+          </a:p>
+          <a:p>
+            <a:r>
+              <a:rPr lang="ja-JP" altLang="en-US" sz="1600" dirty="0"/>
+              <a:t>5. 2〜4を繰り返す</a:t>
+            </a:r>
+            <a:r>
+              <a:rPr lang="ja-JP" altLang="en-US" sz="1600" dirty="0" smtClean="0"/>
+              <a:t>(Tmax</a:t>
+            </a:r>
+            <a:r>
+              <a:rPr lang="ja-JP" altLang="en-US" sz="1600" dirty="0"/>
+              <a:t>ステップ経過もしくは、終端に達するまで)</a:t>
+            </a:r>
+          </a:p>
+          <a:p>
+            <a:r>
+              <a:rPr lang="ja-JP" altLang="en-US" sz="1600" dirty="0"/>
+              <a:t>6. 経験が十分に溜まったら、自分スレッドのメモリの内容を利用して、ネットワークの重みを更新させる方向gradを求める</a:t>
+            </a:r>
+          </a:p>
+          <a:p>
+            <a:r>
+              <a:rPr lang="ja-JP" altLang="en-US" sz="1600" dirty="0"/>
+              <a:t>4. gradをParameter Serverに渡す</a:t>
+            </a:r>
+          </a:p>
+          <a:p>
+            <a:r>
+              <a:rPr lang="ja-JP" altLang="en-US" sz="1600" dirty="0"/>
+              <a:t>5. </a:t>
+            </a:r>
+            <a:r>
+              <a:rPr lang="ja-JP" altLang="en-US" sz="1600" dirty="0" smtClean="0"/>
+              <a:t>ParameterServer</a:t>
+            </a:r>
+            <a:r>
+              <a:rPr lang="ja-JP" altLang="en-US" sz="1600" dirty="0"/>
+              <a:t>は</a:t>
+            </a:r>
+            <a:r>
+              <a:rPr lang="ja-JP" altLang="en-US" sz="1600" dirty="0" smtClean="0"/>
+              <a:t>grad方向</a:t>
+            </a:r>
+            <a:r>
+              <a:rPr lang="ja-JP" altLang="en-US" sz="1600" dirty="0"/>
+              <a:t>に</a:t>
+            </a:r>
+            <a:r>
+              <a:rPr lang="ja-JP" altLang="en-US" sz="1600" dirty="0" smtClean="0"/>
+              <a:t>Parameter Serverのネットワーク</a:t>
+            </a:r>
+            <a:r>
+              <a:rPr lang="ja-JP" altLang="en-US" sz="1600" dirty="0"/>
+              <a:t>を</a:t>
+            </a:r>
+            <a:r>
+              <a:rPr lang="ja-JP" altLang="en-US" sz="1600" dirty="0" smtClean="0"/>
+              <a:t>更新</a:t>
+            </a:r>
+            <a:endParaRPr lang="ja-JP" altLang="en-US" sz="1600" dirty="0"/>
+          </a:p>
+          <a:p>
+            <a:r>
+              <a:rPr lang="ja-JP" altLang="en-US" sz="1600" dirty="0"/>
+              <a:t>6. 1.へ戻る</a:t>
+            </a:r>
+          </a:p>
+        </p:txBody>
+      </p:sp>
+      <p:sp>
+        <p:nvSpPr>
+          <p:cNvPr id="9" name="正方形/長方形 8"/>
+          <p:cNvSpPr/>
+          <p:nvPr/>
+        </p:nvSpPr>
+        <p:spPr>
+          <a:xfrm>
+            <a:off x="8077199" y="2582918"/>
+            <a:ext cx="1880617" cy="4348799"/>
+          </a:xfrm>
+          <a:prstGeom prst="rect">
+            <a:avLst/>
+          </a:prstGeom>
+        </p:spPr>
+        <p:style>
+          <a:lnRef idx="2">
+            <a:schemeClr val="accent5"/>
+          </a:lnRef>
+          <a:fillRef idx="1">
+            <a:schemeClr val="lt1"/>
+          </a:fillRef>
+          <a:effectRef idx="0">
+            <a:schemeClr val="accent5"/>
+          </a:effectRef>
+          <a:fontRef idx="minor">
+            <a:schemeClr val="dk1"/>
+          </a:fontRef>
+        </p:style>
+        <p:txBody>
+          <a:bodyPr rtlCol="0" anchor="t"/>
+          <a:lstStyle/>
+          <a:p>
+            <a:r>
+              <a:rPr kumimoji="1" lang="en-US" altLang="ja-JP" dirty="0" smtClean="0"/>
+              <a:t>Worker Thread</a:t>
+            </a:r>
+            <a:endParaRPr kumimoji="1" lang="ja-JP" altLang="en-US" dirty="0"/>
+          </a:p>
+        </p:txBody>
+      </p:sp>
+      <p:sp>
+        <p:nvSpPr>
+          <p:cNvPr id="10" name="テキスト ボックス 9"/>
+          <p:cNvSpPr txBox="1"/>
+          <p:nvPr/>
+        </p:nvSpPr>
+        <p:spPr>
+          <a:xfrm>
+            <a:off x="7220711" y="3989939"/>
+            <a:ext cx="1088136" cy="923330"/>
+          </a:xfrm>
+          <a:prstGeom prst="rect">
+            <a:avLst/>
+          </a:prstGeom>
+          <a:noFill/>
+        </p:spPr>
+        <p:txBody>
+          <a:bodyPr wrap="square" rtlCol="0">
+            <a:spAutoFit/>
+          </a:bodyPr>
+          <a:lstStyle/>
+          <a:p>
+            <a:r>
+              <a:rPr kumimoji="1" lang="en-US" altLang="ja-JP" sz="5400" dirty="0" smtClean="0"/>
+              <a:t>…</a:t>
+            </a:r>
+            <a:endParaRPr kumimoji="1" lang="ja-JP" altLang="en-US" sz="5400" dirty="0"/>
+          </a:p>
+        </p:txBody>
+      </p:sp>
+      <p:sp>
+        <p:nvSpPr>
+          <p:cNvPr id="11" name="テキスト ボックス 10"/>
+          <p:cNvSpPr txBox="1"/>
+          <p:nvPr/>
+        </p:nvSpPr>
+        <p:spPr>
+          <a:xfrm>
+            <a:off x="1407994" y="2142240"/>
+            <a:ext cx="2749295" cy="369332"/>
+          </a:xfrm>
+          <a:prstGeom prst="rect">
+            <a:avLst/>
+          </a:prstGeom>
+          <a:noFill/>
+        </p:spPr>
+        <p:txBody>
+          <a:bodyPr wrap="square" rtlCol="0">
+            <a:spAutoFit/>
+          </a:bodyPr>
+          <a:lstStyle/>
+          <a:p>
+            <a:r>
+              <a:rPr lang="en-US" altLang="ja-JP" dirty="0" err="1" smtClean="0"/>
+              <a:t>w</a:t>
+            </a:r>
+            <a:r>
+              <a:rPr kumimoji="1" lang="en-US" altLang="ja-JP" dirty="0" err="1" smtClean="0"/>
+              <a:t>_</a:t>
+            </a:r>
+            <a:r>
+              <a:rPr kumimoji="1" lang="en-US" altLang="ja-JP" baseline="-25000" dirty="0" err="1" smtClean="0"/>
+              <a:t>ParameterServer</a:t>
+            </a:r>
+            <a:endParaRPr kumimoji="1" lang="ja-JP" altLang="en-US" baseline="-25000" dirty="0"/>
+          </a:p>
+        </p:txBody>
+      </p:sp>
+      <p:cxnSp>
+        <p:nvCxnSpPr>
+          <p:cNvPr id="13" name="直線矢印コネクタ 12"/>
+          <p:cNvCxnSpPr/>
+          <p:nvPr/>
+        </p:nvCxnSpPr>
+        <p:spPr>
+          <a:xfrm flipH="1">
+            <a:off x="2916936" y="1892808"/>
+            <a:ext cx="274320" cy="896677"/>
+          </a:xfrm>
+          <a:prstGeom prst="straightConnector1">
+            <a:avLst/>
+          </a:prstGeom>
+          <a:ln w="57150">
+            <a:solidFill>
+              <a:schemeClr val="tx1">
+                <a:lumMod val="65000"/>
+                <a:lumOff val="35000"/>
+              </a:schemeClr>
+            </a:solidFill>
+            <a:tailEnd type="triangle"/>
+          </a:ln>
+        </p:spPr>
+        <p:style>
+          <a:lnRef idx="1">
+            <a:schemeClr val="accent1"/>
+          </a:lnRef>
+          <a:fillRef idx="0">
+            <a:schemeClr val="accent1"/>
+          </a:fillRef>
+          <a:effectRef idx="0">
+            <a:schemeClr val="accent1"/>
+          </a:effectRef>
+          <a:fontRef idx="minor">
+            <a:schemeClr val="tx1"/>
+          </a:fontRef>
+        </p:style>
+      </p:cxnSp>
+      <p:cxnSp>
+        <p:nvCxnSpPr>
+          <p:cNvPr id="14" name="直線矢印コネクタ 13"/>
+          <p:cNvCxnSpPr/>
+          <p:nvPr/>
+        </p:nvCxnSpPr>
+        <p:spPr>
+          <a:xfrm flipV="1">
+            <a:off x="3943588" y="1949677"/>
+            <a:ext cx="269190" cy="879909"/>
+          </a:xfrm>
+          <a:prstGeom prst="straightConnector1">
+            <a:avLst/>
+          </a:prstGeom>
+          <a:ln w="57150">
+            <a:solidFill>
+              <a:schemeClr val="tx1">
+                <a:lumMod val="65000"/>
+                <a:lumOff val="35000"/>
+              </a:schemeClr>
+            </a:solidFill>
+            <a:tailEnd type="triangle"/>
+          </a:ln>
+        </p:spPr>
+        <p:style>
+          <a:lnRef idx="1">
+            <a:schemeClr val="accent1"/>
+          </a:lnRef>
+          <a:fillRef idx="0">
+            <a:schemeClr val="accent1"/>
+          </a:fillRef>
+          <a:effectRef idx="0">
+            <a:schemeClr val="accent1"/>
+          </a:effectRef>
+          <a:fontRef idx="minor">
+            <a:schemeClr val="tx1"/>
+          </a:fontRef>
+        </p:style>
+      </p:cxnSp>
+      <p:sp>
+        <p:nvSpPr>
+          <p:cNvPr id="17" name="テキスト ボックス 16"/>
+          <p:cNvSpPr txBox="1"/>
+          <p:nvPr/>
+        </p:nvSpPr>
+        <p:spPr>
+          <a:xfrm>
+            <a:off x="4212778" y="2194539"/>
+            <a:ext cx="2749295" cy="369332"/>
+          </a:xfrm>
+          <a:prstGeom prst="rect">
+            <a:avLst/>
+          </a:prstGeom>
+          <a:noFill/>
+        </p:spPr>
+        <p:txBody>
+          <a:bodyPr wrap="square" rtlCol="0">
+            <a:spAutoFit/>
+          </a:bodyPr>
+          <a:lstStyle/>
+          <a:p>
+            <a:r>
+              <a:rPr lang="en-US" altLang="ja-JP" dirty="0" err="1" smtClean="0"/>
+              <a:t>Δw</a:t>
+            </a:r>
+            <a:r>
+              <a:rPr lang="en-US" altLang="ja-JP" dirty="0" smtClean="0"/>
+              <a:t> = </a:t>
+            </a:r>
+            <a:r>
+              <a:rPr lang="en-US" altLang="ja-JP" dirty="0" err="1" smtClean="0"/>
+              <a:t>gard</a:t>
+            </a:r>
+            <a:r>
+              <a:rPr kumimoji="1" lang="en-US" altLang="ja-JP" dirty="0" err="1" smtClean="0"/>
+              <a:t>_</a:t>
+            </a:r>
+            <a:r>
+              <a:rPr kumimoji="1" lang="en-US" altLang="ja-JP" baseline="-25000" dirty="0" err="1" smtClean="0"/>
+              <a:t>WorkerThread</a:t>
+            </a:r>
+            <a:endParaRPr kumimoji="1" lang="ja-JP" altLang="en-US" baseline="-25000" dirty="0"/>
+          </a:p>
+        </p:txBody>
+      </p:sp>
+      <p:cxnSp>
+        <p:nvCxnSpPr>
+          <p:cNvPr id="18" name="直線矢印コネクタ 17"/>
+          <p:cNvCxnSpPr/>
+          <p:nvPr/>
+        </p:nvCxnSpPr>
+        <p:spPr>
+          <a:xfrm flipH="1" flipV="1">
+            <a:off x="5814486" y="1397043"/>
+            <a:ext cx="2883710" cy="844236"/>
+          </a:xfrm>
+          <a:prstGeom prst="straightConnector1">
+            <a:avLst/>
+          </a:prstGeom>
+          <a:ln w="57150">
+            <a:solidFill>
+              <a:schemeClr val="tx1">
+                <a:lumMod val="65000"/>
+                <a:lumOff val="35000"/>
+              </a:schemeClr>
+            </a:solidFill>
+            <a:tailEnd type="triangle"/>
+          </a:ln>
+        </p:spPr>
+        <p:style>
+          <a:lnRef idx="1">
+            <a:schemeClr val="accent1"/>
+          </a:lnRef>
+          <a:fillRef idx="0">
+            <a:schemeClr val="accent1"/>
+          </a:fillRef>
+          <a:effectRef idx="0">
+            <a:schemeClr val="accent1"/>
+          </a:effectRef>
+          <a:fontRef idx="minor">
+            <a:schemeClr val="tx1"/>
+          </a:fontRef>
+        </p:style>
+      </p:cxnSp>
+      <p:cxnSp>
+        <p:nvCxnSpPr>
+          <p:cNvPr id="19" name="直線矢印コネクタ 18"/>
+          <p:cNvCxnSpPr/>
+          <p:nvPr/>
+        </p:nvCxnSpPr>
+        <p:spPr>
+          <a:xfrm>
+            <a:off x="5802006" y="1705457"/>
+            <a:ext cx="2691823" cy="763433"/>
+          </a:xfrm>
+          <a:prstGeom prst="straightConnector1">
+            <a:avLst/>
+          </a:prstGeom>
+          <a:ln w="57150">
+            <a:solidFill>
+              <a:schemeClr val="tx1">
+                <a:lumMod val="65000"/>
+                <a:lumOff val="35000"/>
+              </a:schemeClr>
+            </a:solidFill>
+            <a:tailEnd type="triangle"/>
+          </a:ln>
+        </p:spPr>
+        <p:style>
+          <a:lnRef idx="1">
+            <a:schemeClr val="accent1"/>
+          </a:lnRef>
+          <a:fillRef idx="0">
+            <a:schemeClr val="accent1"/>
+          </a:fillRef>
+          <a:effectRef idx="0">
+            <a:schemeClr val="accent1"/>
+          </a:effectRef>
+          <a:fontRef idx="minor">
+            <a:schemeClr val="tx1"/>
+          </a:fontRef>
+        </p:style>
+      </p:cxnSp>
+      <p:sp>
+        <p:nvSpPr>
+          <p:cNvPr id="28" name="テキスト ボックス 27"/>
+          <p:cNvSpPr txBox="1"/>
+          <p:nvPr/>
+        </p:nvSpPr>
+        <p:spPr>
+          <a:xfrm>
+            <a:off x="7763438" y="1604105"/>
+            <a:ext cx="2749295" cy="369332"/>
+          </a:xfrm>
+          <a:prstGeom prst="rect">
+            <a:avLst/>
+          </a:prstGeom>
+          <a:noFill/>
+        </p:spPr>
+        <p:txBody>
+          <a:bodyPr wrap="square" rtlCol="0">
+            <a:spAutoFit/>
+          </a:bodyPr>
+          <a:lstStyle/>
+          <a:p>
+            <a:r>
+              <a:rPr lang="en-US" altLang="ja-JP" dirty="0" err="1" smtClean="0"/>
+              <a:t>Δw</a:t>
+            </a:r>
+            <a:r>
+              <a:rPr lang="en-US" altLang="ja-JP" dirty="0" smtClean="0"/>
+              <a:t> = </a:t>
+            </a:r>
+            <a:r>
+              <a:rPr lang="en-US" altLang="ja-JP" dirty="0" err="1" smtClean="0"/>
+              <a:t>gard</a:t>
+            </a:r>
+            <a:r>
+              <a:rPr kumimoji="1" lang="en-US" altLang="ja-JP" dirty="0" err="1" smtClean="0"/>
+              <a:t>_</a:t>
+            </a:r>
+            <a:r>
+              <a:rPr kumimoji="1" lang="en-US" altLang="ja-JP" baseline="-25000" dirty="0" err="1" smtClean="0"/>
+              <a:t>WorkerThread</a:t>
+            </a:r>
+            <a:endParaRPr kumimoji="1" lang="ja-JP" altLang="en-US" baseline="-25000" dirty="0"/>
+          </a:p>
+        </p:txBody>
+      </p:sp>
+      <p:sp>
+        <p:nvSpPr>
+          <p:cNvPr id="33" name="テキスト ボックス 32"/>
+          <p:cNvSpPr txBox="1"/>
+          <p:nvPr/>
+        </p:nvSpPr>
+        <p:spPr>
+          <a:xfrm>
+            <a:off x="6666809" y="2165860"/>
+            <a:ext cx="2749295" cy="369332"/>
+          </a:xfrm>
+          <a:prstGeom prst="rect">
+            <a:avLst/>
+          </a:prstGeom>
+          <a:noFill/>
+        </p:spPr>
+        <p:txBody>
+          <a:bodyPr wrap="square" rtlCol="0">
+            <a:spAutoFit/>
+          </a:bodyPr>
+          <a:lstStyle/>
+          <a:p>
+            <a:r>
+              <a:rPr lang="en-US" altLang="ja-JP" dirty="0" err="1" smtClean="0"/>
+              <a:t>w</a:t>
+            </a:r>
+            <a:r>
+              <a:rPr kumimoji="1" lang="en-US" altLang="ja-JP" dirty="0" err="1" smtClean="0"/>
+              <a:t>_</a:t>
+            </a:r>
+            <a:r>
+              <a:rPr kumimoji="1" lang="en-US" altLang="ja-JP" baseline="-25000" dirty="0" err="1" smtClean="0"/>
+              <a:t>ParameterServer</a:t>
+            </a:r>
+            <a:endParaRPr kumimoji="1" lang="ja-JP" altLang="en-US" baseline="-25000" dirty="0"/>
+          </a:p>
+        </p:txBody>
+      </p:sp>
+    </p:spTree>
+    <p:extLst>
+      <p:ext uri="{BB962C8B-B14F-4D97-AF65-F5344CB8AC3E}">
+        <p14:creationId xmlns:p14="http://schemas.microsoft.com/office/powerpoint/2010/main" val="2169346877"/>
+      </p:ext>
+    </p:extLst>
+  </p:cSld>
+  <p:clrMapOvr>
+    <a:masterClrMapping/>
+  </p:clrMapOvr>
+</p:sld>
+</file>
+
+<file path=ppt/slides/slide5.xml><?xml version="1.0" encoding="utf-8"?>
+<p:sld xmlns:a="http://schemas.openxmlformats.org/drawingml/2006/main" xmlns:r="http://schemas.openxmlformats.org/officeDocument/2006/relationships" xmlns:p="http://schemas.openxmlformats.org/presentationml/2006/main">
+  <p:cSld>
+    <p:spTree>
+      <p:nvGrpSpPr>
+        <p:cNvPr id="1" name=""/>
+        <p:cNvGrpSpPr/>
+        <p:nvPr/>
+      </p:nvGrpSpPr>
+      <p:grpSpPr>
+        <a:xfrm>
+          <a:off x="0" y="0"/>
+          <a:ext cx="0" cy="0"/>
+          <a:chOff x="0" y="0"/>
+          <a:chExt cx="0" cy="0"/>
+        </a:xfrm>
+      </p:grpSpPr>
+      <p:sp>
+        <p:nvSpPr>
+          <p:cNvPr id="4" name="正方形/長方形 3"/>
+          <p:cNvSpPr/>
+          <p:nvPr/>
+        </p:nvSpPr>
+        <p:spPr>
+          <a:xfrm>
+            <a:off x="370840" y="246888"/>
+            <a:ext cx="7141464" cy="1929384"/>
+          </a:xfrm>
+          <a:prstGeom prst="rect">
+            <a:avLst/>
+          </a:prstGeom>
+        </p:spPr>
+        <p:style>
+          <a:lnRef idx="2">
+            <a:schemeClr val="accent2"/>
+          </a:lnRef>
+          <a:fillRef idx="1">
+            <a:schemeClr val="lt1"/>
+          </a:fillRef>
+          <a:effectRef idx="0">
+            <a:schemeClr val="accent2"/>
+          </a:effectRef>
+          <a:fontRef idx="minor">
+            <a:schemeClr val="dk1"/>
+          </a:fontRef>
+        </p:style>
+        <p:txBody>
+          <a:bodyPr rtlCol="0" anchor="t"/>
+          <a:lstStyle/>
+          <a:p>
+            <a:r>
+              <a:rPr kumimoji="1" lang="en-US" altLang="ja-JP" dirty="0" smtClean="0"/>
+              <a:t>Parameter Server</a:t>
+            </a:r>
+            <a:endParaRPr kumimoji="1" lang="ja-JP" altLang="en-US" dirty="0"/>
+          </a:p>
+        </p:txBody>
+      </p:sp>
+      <p:pic>
+        <p:nvPicPr>
+          <p:cNvPr id="5" name="図 4"/>
+          <p:cNvPicPr>
+            <a:picLocks noChangeAspect="1"/>
+          </p:cNvPicPr>
+          <p:nvPr/>
+        </p:nvPicPr>
+        <p:blipFill>
+          <a:blip r:embed="rId2"/>
+          <a:stretch>
+            <a:fillRect/>
+          </a:stretch>
+        </p:blipFill>
+        <p:spPr>
+          <a:xfrm>
+            <a:off x="2672914" y="441001"/>
+            <a:ext cx="2527155" cy="1662119"/>
+          </a:xfrm>
+          <a:prstGeom prst="rect">
+            <a:avLst/>
+          </a:prstGeom>
+        </p:spPr>
+      </p:pic>
+      <p:sp>
+        <p:nvSpPr>
+          <p:cNvPr id="6" name="正方形/長方形 5"/>
+          <p:cNvSpPr/>
+          <p:nvPr/>
+        </p:nvSpPr>
+        <p:spPr>
+          <a:xfrm>
+            <a:off x="394461" y="2582918"/>
+            <a:ext cx="6239257" cy="4348799"/>
+          </a:xfrm>
+          <a:prstGeom prst="rect">
+            <a:avLst/>
+          </a:prstGeom>
+        </p:spPr>
+        <p:style>
+          <a:lnRef idx="2">
+            <a:schemeClr val="accent5"/>
+          </a:lnRef>
+          <a:fillRef idx="1">
+            <a:schemeClr val="lt1"/>
+          </a:fillRef>
+          <a:effectRef idx="0">
+            <a:schemeClr val="accent5"/>
+          </a:effectRef>
+          <a:fontRef idx="minor">
+            <a:schemeClr val="dk1"/>
+          </a:fontRef>
+        </p:style>
+        <p:txBody>
+          <a:bodyPr rtlCol="0" anchor="t"/>
+          <a:lstStyle/>
+          <a:p>
+            <a:r>
+              <a:rPr kumimoji="1" lang="en-US" altLang="ja-JP" dirty="0" smtClean="0"/>
+              <a:t>Worker Thread</a:t>
+            </a:r>
+            <a:r>
+              <a:rPr kumimoji="1" lang="ja-JP" altLang="en-US" dirty="0" smtClean="0"/>
+              <a:t>：</a:t>
+            </a:r>
+            <a:r>
+              <a:rPr kumimoji="1" lang="en-US" altLang="ja-JP" dirty="0" smtClean="0"/>
+              <a:t>run()</a:t>
+            </a:r>
+            <a:endParaRPr kumimoji="1" lang="ja-JP" altLang="en-US" dirty="0"/>
+          </a:p>
+        </p:txBody>
+      </p:sp>
+      <p:sp>
+        <p:nvSpPr>
+          <p:cNvPr id="9" name="正方形/長方形 8"/>
+          <p:cNvSpPr/>
+          <p:nvPr/>
+        </p:nvSpPr>
+        <p:spPr>
+          <a:xfrm>
+            <a:off x="8077199" y="2582918"/>
+            <a:ext cx="1880617" cy="4348799"/>
+          </a:xfrm>
+          <a:prstGeom prst="rect">
+            <a:avLst/>
+          </a:prstGeom>
+        </p:spPr>
+        <p:style>
+          <a:lnRef idx="2">
+            <a:schemeClr val="accent5"/>
+          </a:lnRef>
+          <a:fillRef idx="1">
+            <a:schemeClr val="lt1"/>
+          </a:fillRef>
+          <a:effectRef idx="0">
+            <a:schemeClr val="accent5"/>
+          </a:effectRef>
+          <a:fontRef idx="minor">
+            <a:schemeClr val="dk1"/>
+          </a:fontRef>
+        </p:style>
+        <p:txBody>
+          <a:bodyPr rtlCol="0" anchor="t"/>
+          <a:lstStyle/>
+          <a:p>
+            <a:r>
+              <a:rPr kumimoji="1" lang="en-US" altLang="ja-JP" dirty="0" smtClean="0"/>
+              <a:t>Worker Thread</a:t>
+            </a:r>
+            <a:endParaRPr kumimoji="1" lang="ja-JP" altLang="en-US" dirty="0"/>
+          </a:p>
+        </p:txBody>
+      </p:sp>
+      <p:sp>
+        <p:nvSpPr>
+          <p:cNvPr id="10" name="テキスト ボックス 9"/>
+          <p:cNvSpPr txBox="1"/>
+          <p:nvPr/>
+        </p:nvSpPr>
+        <p:spPr>
+          <a:xfrm>
+            <a:off x="7220711" y="3989939"/>
+            <a:ext cx="1088136" cy="923330"/>
+          </a:xfrm>
+          <a:prstGeom prst="rect">
+            <a:avLst/>
+          </a:prstGeom>
+          <a:noFill/>
+        </p:spPr>
+        <p:txBody>
+          <a:bodyPr wrap="square" rtlCol="0">
+            <a:spAutoFit/>
+          </a:bodyPr>
+          <a:lstStyle/>
+          <a:p>
+            <a:r>
+              <a:rPr kumimoji="1" lang="en-US" altLang="ja-JP" sz="5400" dirty="0" smtClean="0"/>
+              <a:t>…</a:t>
+            </a:r>
+            <a:endParaRPr kumimoji="1" lang="ja-JP" altLang="en-US" sz="5400" dirty="0"/>
+          </a:p>
+        </p:txBody>
+      </p:sp>
+      <p:sp>
+        <p:nvSpPr>
+          <p:cNvPr id="11" name="テキスト ボックス 10"/>
+          <p:cNvSpPr txBox="1"/>
+          <p:nvPr/>
+        </p:nvSpPr>
+        <p:spPr>
+          <a:xfrm>
+            <a:off x="2450774" y="2182314"/>
+            <a:ext cx="2749295" cy="369332"/>
+          </a:xfrm>
+          <a:prstGeom prst="rect">
+            <a:avLst/>
+          </a:prstGeom>
+          <a:noFill/>
+        </p:spPr>
+        <p:txBody>
+          <a:bodyPr wrap="square" rtlCol="0">
+            <a:spAutoFit/>
+          </a:bodyPr>
+          <a:lstStyle/>
+          <a:p>
+            <a:r>
+              <a:rPr lang="en-US" altLang="ja-JP" dirty="0" err="1" smtClean="0"/>
+              <a:t>w</a:t>
+            </a:r>
+            <a:r>
+              <a:rPr kumimoji="1" lang="en-US" altLang="ja-JP" dirty="0" err="1" smtClean="0"/>
+              <a:t>_</a:t>
+            </a:r>
+            <a:r>
+              <a:rPr kumimoji="1" lang="en-US" altLang="ja-JP" baseline="-25000" dirty="0" err="1" smtClean="0"/>
+              <a:t>ParameterServer</a:t>
+            </a:r>
+            <a:endParaRPr kumimoji="1" lang="ja-JP" altLang="en-US" baseline="-25000" dirty="0"/>
+          </a:p>
+        </p:txBody>
+      </p:sp>
+      <p:sp>
+        <p:nvSpPr>
+          <p:cNvPr id="15" name="正方形/長方形 14"/>
+          <p:cNvSpPr/>
+          <p:nvPr/>
+        </p:nvSpPr>
+        <p:spPr>
+          <a:xfrm>
+            <a:off x="500633" y="3047035"/>
+            <a:ext cx="5910328" cy="3739846"/>
+          </a:xfrm>
+          <a:prstGeom prst="rect">
+            <a:avLst/>
+          </a:prstGeom>
+        </p:spPr>
+        <p:style>
+          <a:lnRef idx="2">
+            <a:schemeClr val="accent5"/>
+          </a:lnRef>
+          <a:fillRef idx="1">
+            <a:schemeClr val="lt1"/>
+          </a:fillRef>
+          <a:effectRef idx="0">
+            <a:schemeClr val="accent5"/>
+          </a:effectRef>
+          <a:fontRef idx="minor">
+            <a:schemeClr val="dk1"/>
+          </a:fontRef>
+        </p:style>
+        <p:txBody>
+          <a:bodyPr rtlCol="0" anchor="t"/>
+          <a:lstStyle/>
+          <a:p>
+            <a:r>
+              <a:rPr kumimoji="1" lang="en-US" altLang="ja-JP" dirty="0" smtClean="0"/>
+              <a:t>Environment</a:t>
+            </a:r>
+            <a:r>
+              <a:rPr kumimoji="1" lang="ja-JP" altLang="en-US" dirty="0" smtClean="0"/>
+              <a:t>：</a:t>
+            </a:r>
+            <a:r>
+              <a:rPr lang="ja-JP" altLang="en-US" dirty="0"/>
+              <a:t> ：</a:t>
+            </a:r>
+            <a:r>
+              <a:rPr lang="en-US" altLang="ja-JP" dirty="0"/>
+              <a:t>run</a:t>
+            </a:r>
+            <a:r>
+              <a:rPr lang="en-US" altLang="ja-JP" dirty="0" smtClean="0"/>
+              <a:t>()</a:t>
+            </a:r>
+          </a:p>
+          <a:p>
+            <a:endParaRPr kumimoji="1" lang="ja-JP" altLang="en-US" dirty="0"/>
+          </a:p>
+        </p:txBody>
+      </p:sp>
+      <p:sp>
+        <p:nvSpPr>
+          <p:cNvPr id="20" name="正方形/長方形 19"/>
+          <p:cNvSpPr/>
+          <p:nvPr/>
+        </p:nvSpPr>
+        <p:spPr>
+          <a:xfrm>
+            <a:off x="641727" y="3434498"/>
+            <a:ext cx="5535553" cy="3230462"/>
+          </a:xfrm>
+          <a:prstGeom prst="rect">
+            <a:avLst/>
+          </a:prstGeom>
+        </p:spPr>
+        <p:style>
+          <a:lnRef idx="2">
+            <a:schemeClr val="accent5"/>
+          </a:lnRef>
+          <a:fillRef idx="1">
+            <a:schemeClr val="lt1"/>
+          </a:fillRef>
+          <a:effectRef idx="0">
+            <a:schemeClr val="accent5"/>
+          </a:effectRef>
+          <a:fontRef idx="minor">
+            <a:schemeClr val="dk1"/>
+          </a:fontRef>
+        </p:style>
+        <p:txBody>
+          <a:bodyPr rtlCol="0" anchor="t"/>
+          <a:lstStyle/>
+          <a:p>
+            <a:r>
+              <a:rPr kumimoji="1" lang="en-US" altLang="ja-JP" dirty="0" smtClean="0"/>
+              <a:t>Actor</a:t>
+            </a:r>
+            <a:r>
+              <a:rPr lang="ja-JP" altLang="en-US" dirty="0" smtClean="0"/>
+              <a:t>：</a:t>
+            </a:r>
+            <a:r>
+              <a:rPr lang="en-US" altLang="ja-JP" dirty="0" smtClean="0"/>
+              <a:t>act()</a:t>
+            </a:r>
+          </a:p>
+          <a:p>
+            <a:endParaRPr kumimoji="1" lang="ja-JP" altLang="en-US" dirty="0"/>
+          </a:p>
+        </p:txBody>
+      </p:sp>
+      <p:pic>
+        <p:nvPicPr>
+          <p:cNvPr id="16" name="図 15"/>
+          <p:cNvPicPr>
+            <a:picLocks noChangeAspect="1"/>
+          </p:cNvPicPr>
+          <p:nvPr/>
+        </p:nvPicPr>
+        <p:blipFill rotWithShape="1">
+          <a:blip r:embed="rId3"/>
+          <a:srcRect l="32529" t="68994" r="60742" b="11695"/>
+          <a:stretch/>
+        </p:blipFill>
+        <p:spPr>
+          <a:xfrm>
+            <a:off x="966887" y="4213864"/>
+            <a:ext cx="1294566" cy="2089799"/>
+          </a:xfrm>
+          <a:prstGeom prst="rect">
+            <a:avLst/>
+          </a:prstGeom>
+        </p:spPr>
+      </p:pic>
+      <p:pic>
+        <p:nvPicPr>
+          <p:cNvPr id="21" name="図 20"/>
+          <p:cNvPicPr>
+            <a:picLocks noChangeAspect="1"/>
+          </p:cNvPicPr>
+          <p:nvPr/>
+        </p:nvPicPr>
+        <p:blipFill>
+          <a:blip r:embed="rId2"/>
+          <a:stretch>
+            <a:fillRect/>
+          </a:stretch>
+        </p:blipFill>
+        <p:spPr>
+          <a:xfrm>
+            <a:off x="3211032" y="4451604"/>
+            <a:ext cx="2527155" cy="1662119"/>
+          </a:xfrm>
+          <a:prstGeom prst="rect">
+            <a:avLst/>
+          </a:prstGeom>
+        </p:spPr>
+      </p:pic>
+      <p:sp>
+        <p:nvSpPr>
+          <p:cNvPr id="22" name="正方形/長方形 21"/>
+          <p:cNvSpPr/>
+          <p:nvPr/>
+        </p:nvSpPr>
+        <p:spPr>
+          <a:xfrm>
+            <a:off x="2586613" y="3812747"/>
+            <a:ext cx="3306188" cy="2720133"/>
+          </a:xfrm>
+          <a:prstGeom prst="rect">
+            <a:avLst/>
+          </a:prstGeom>
+          <a:noFill/>
+        </p:spPr>
+        <p:style>
+          <a:lnRef idx="2">
+            <a:schemeClr val="accent5"/>
+          </a:lnRef>
+          <a:fillRef idx="1">
+            <a:schemeClr val="lt1"/>
+          </a:fillRef>
+          <a:effectRef idx="0">
+            <a:schemeClr val="accent5"/>
+          </a:effectRef>
+          <a:fontRef idx="minor">
+            <a:schemeClr val="dk1"/>
+          </a:fontRef>
+        </p:style>
+        <p:txBody>
+          <a:bodyPr rtlCol="0" anchor="t"/>
+          <a:lstStyle/>
+          <a:p>
+            <a:r>
+              <a:rPr kumimoji="1" lang="en-US" altLang="ja-JP" dirty="0" err="1" smtClean="0"/>
+              <a:t>LocalBrain</a:t>
+            </a:r>
+            <a:endParaRPr kumimoji="1" lang="ja-JP" altLang="en-US" dirty="0"/>
+          </a:p>
+        </p:txBody>
+      </p:sp>
+      <p:cxnSp>
+        <p:nvCxnSpPr>
+          <p:cNvPr id="13" name="直線矢印コネクタ 12"/>
+          <p:cNvCxnSpPr/>
+          <p:nvPr/>
+        </p:nvCxnSpPr>
+        <p:spPr>
+          <a:xfrm>
+            <a:off x="3922534" y="2087372"/>
+            <a:ext cx="0" cy="2232152"/>
+          </a:xfrm>
+          <a:prstGeom prst="straightConnector1">
+            <a:avLst/>
+          </a:prstGeom>
+          <a:ln w="57150">
+            <a:solidFill>
+              <a:schemeClr val="tx1">
+                <a:lumMod val="65000"/>
+                <a:lumOff val="35000"/>
+              </a:schemeClr>
+            </a:solidFill>
+            <a:tailEnd type="triangle"/>
+          </a:ln>
+        </p:spPr>
+        <p:style>
+          <a:lnRef idx="1">
+            <a:schemeClr val="accent1"/>
+          </a:lnRef>
+          <a:fillRef idx="0">
+            <a:schemeClr val="accent1"/>
+          </a:fillRef>
+          <a:effectRef idx="0">
+            <a:schemeClr val="accent1"/>
+          </a:effectRef>
+          <a:fontRef idx="minor">
+            <a:schemeClr val="tx1"/>
+          </a:fontRef>
+        </p:style>
+      </p:cxnSp>
+      <p:cxnSp>
+        <p:nvCxnSpPr>
+          <p:cNvPr id="14" name="直線矢印コネクタ 13"/>
+          <p:cNvCxnSpPr/>
+          <p:nvPr/>
+        </p:nvCxnSpPr>
+        <p:spPr>
+          <a:xfrm flipH="1" flipV="1">
+            <a:off x="4212778" y="1949678"/>
+            <a:ext cx="0" cy="2264186"/>
+          </a:xfrm>
+          <a:prstGeom prst="straightConnector1">
+            <a:avLst/>
+          </a:prstGeom>
+          <a:ln w="57150">
+            <a:solidFill>
+              <a:schemeClr val="tx1">
+                <a:lumMod val="65000"/>
+                <a:lumOff val="35000"/>
+              </a:schemeClr>
+            </a:solidFill>
+            <a:tailEnd type="triangle"/>
+          </a:ln>
+        </p:spPr>
+        <p:style>
+          <a:lnRef idx="1">
+            <a:schemeClr val="accent1"/>
+          </a:lnRef>
+          <a:fillRef idx="0">
+            <a:schemeClr val="accent1"/>
+          </a:fillRef>
+          <a:effectRef idx="0">
+            <a:schemeClr val="accent1"/>
+          </a:effectRef>
+          <a:fontRef idx="minor">
+            <a:schemeClr val="tx1"/>
+          </a:fontRef>
+        </p:style>
+      </p:cxnSp>
+      <p:sp>
+        <p:nvSpPr>
+          <p:cNvPr id="17" name="テキスト ボックス 16"/>
+          <p:cNvSpPr txBox="1"/>
+          <p:nvPr/>
+        </p:nvSpPr>
+        <p:spPr>
+          <a:xfrm>
+            <a:off x="4273854" y="3888541"/>
+            <a:ext cx="2337511" cy="369332"/>
+          </a:xfrm>
+          <a:prstGeom prst="rect">
+            <a:avLst/>
+          </a:prstGeom>
+          <a:noFill/>
+        </p:spPr>
+        <p:txBody>
+          <a:bodyPr wrap="square" rtlCol="0">
+            <a:spAutoFit/>
+          </a:bodyPr>
+          <a:lstStyle/>
+          <a:p>
+            <a:r>
+              <a:rPr lang="en-US" altLang="ja-JP" dirty="0" err="1" smtClean="0"/>
+              <a:t>Δw</a:t>
+            </a:r>
+            <a:r>
+              <a:rPr lang="en-US" altLang="ja-JP" dirty="0" smtClean="0"/>
+              <a:t> = </a:t>
+            </a:r>
+            <a:r>
+              <a:rPr lang="en-US" altLang="ja-JP" dirty="0" err="1" smtClean="0"/>
+              <a:t>gard</a:t>
+            </a:r>
+            <a:r>
+              <a:rPr kumimoji="1" lang="en-US" altLang="ja-JP" dirty="0" err="1" smtClean="0"/>
+              <a:t>_</a:t>
+            </a:r>
+            <a:r>
+              <a:rPr kumimoji="1" lang="en-US" altLang="ja-JP" baseline="-25000" dirty="0" err="1" smtClean="0"/>
+              <a:t>WorkerThread</a:t>
+            </a:r>
+            <a:endParaRPr kumimoji="1" lang="ja-JP" altLang="en-US" baseline="-25000" dirty="0"/>
+          </a:p>
+        </p:txBody>
+      </p:sp>
+      <p:cxnSp>
+        <p:nvCxnSpPr>
+          <p:cNvPr id="23" name="直線矢印コネクタ 22"/>
+          <p:cNvCxnSpPr/>
+          <p:nvPr/>
+        </p:nvCxnSpPr>
+        <p:spPr>
+          <a:xfrm flipH="1" flipV="1">
+            <a:off x="5814486" y="1397043"/>
+            <a:ext cx="2883710" cy="844236"/>
+          </a:xfrm>
+          <a:prstGeom prst="straightConnector1">
+            <a:avLst/>
+          </a:prstGeom>
+          <a:ln w="57150">
+            <a:solidFill>
+              <a:schemeClr val="tx1">
+                <a:lumMod val="65000"/>
+                <a:lumOff val="35000"/>
+              </a:schemeClr>
+            </a:solidFill>
+            <a:tailEnd type="triangle"/>
+          </a:ln>
+        </p:spPr>
+        <p:style>
+          <a:lnRef idx="1">
+            <a:schemeClr val="accent1"/>
+          </a:lnRef>
+          <a:fillRef idx="0">
+            <a:schemeClr val="accent1"/>
+          </a:fillRef>
+          <a:effectRef idx="0">
+            <a:schemeClr val="accent1"/>
+          </a:effectRef>
+          <a:fontRef idx="minor">
+            <a:schemeClr val="tx1"/>
+          </a:fontRef>
+        </p:style>
+      </p:cxnSp>
+      <p:cxnSp>
+        <p:nvCxnSpPr>
+          <p:cNvPr id="24" name="直線矢印コネクタ 23"/>
+          <p:cNvCxnSpPr/>
+          <p:nvPr/>
+        </p:nvCxnSpPr>
+        <p:spPr>
+          <a:xfrm>
+            <a:off x="5802006" y="1705457"/>
+            <a:ext cx="2691823" cy="763433"/>
+          </a:xfrm>
+          <a:prstGeom prst="straightConnector1">
+            <a:avLst/>
+          </a:prstGeom>
+          <a:ln w="57150">
+            <a:solidFill>
+              <a:schemeClr val="tx1">
+                <a:lumMod val="65000"/>
+                <a:lumOff val="35000"/>
+              </a:schemeClr>
+            </a:solidFill>
+            <a:tailEnd type="triangle"/>
+          </a:ln>
+        </p:spPr>
+        <p:style>
+          <a:lnRef idx="1">
+            <a:schemeClr val="accent1"/>
+          </a:lnRef>
+          <a:fillRef idx="0">
+            <a:schemeClr val="accent1"/>
+          </a:fillRef>
+          <a:effectRef idx="0">
+            <a:schemeClr val="accent1"/>
+          </a:effectRef>
+          <a:fontRef idx="minor">
+            <a:schemeClr val="tx1"/>
+          </a:fontRef>
+        </p:style>
+      </p:cxnSp>
+      <p:sp>
+        <p:nvSpPr>
+          <p:cNvPr id="25" name="テキスト ボックス 24"/>
+          <p:cNvSpPr txBox="1"/>
+          <p:nvPr/>
+        </p:nvSpPr>
+        <p:spPr>
+          <a:xfrm>
+            <a:off x="7763438" y="1604105"/>
+            <a:ext cx="2749295" cy="369332"/>
+          </a:xfrm>
+          <a:prstGeom prst="rect">
+            <a:avLst/>
+          </a:prstGeom>
+          <a:noFill/>
+        </p:spPr>
+        <p:txBody>
+          <a:bodyPr wrap="square" rtlCol="0">
+            <a:spAutoFit/>
+          </a:bodyPr>
+          <a:lstStyle/>
+          <a:p>
+            <a:r>
+              <a:rPr lang="en-US" altLang="ja-JP" dirty="0" err="1" smtClean="0"/>
+              <a:t>Δw</a:t>
+            </a:r>
+            <a:r>
+              <a:rPr lang="en-US" altLang="ja-JP" dirty="0" smtClean="0"/>
+              <a:t> = </a:t>
+            </a:r>
+            <a:r>
+              <a:rPr lang="en-US" altLang="ja-JP" dirty="0" err="1" smtClean="0"/>
+              <a:t>gard</a:t>
+            </a:r>
+            <a:r>
+              <a:rPr kumimoji="1" lang="en-US" altLang="ja-JP" dirty="0" err="1" smtClean="0"/>
+              <a:t>_</a:t>
+            </a:r>
+            <a:r>
+              <a:rPr kumimoji="1" lang="en-US" altLang="ja-JP" baseline="-25000" dirty="0" err="1" smtClean="0"/>
+              <a:t>WorkerThread</a:t>
+            </a:r>
+            <a:endParaRPr kumimoji="1" lang="ja-JP" altLang="en-US" baseline="-25000" dirty="0"/>
+          </a:p>
+        </p:txBody>
+      </p:sp>
+      <p:sp>
+        <p:nvSpPr>
+          <p:cNvPr id="26" name="テキスト ボックス 25"/>
+          <p:cNvSpPr txBox="1"/>
+          <p:nvPr/>
+        </p:nvSpPr>
+        <p:spPr>
+          <a:xfrm>
+            <a:off x="6666809" y="2165860"/>
+            <a:ext cx="2749295" cy="369332"/>
+          </a:xfrm>
+          <a:prstGeom prst="rect">
+            <a:avLst/>
+          </a:prstGeom>
+          <a:noFill/>
+        </p:spPr>
+        <p:txBody>
+          <a:bodyPr wrap="square" rtlCol="0">
+            <a:spAutoFit/>
+          </a:bodyPr>
+          <a:lstStyle/>
+          <a:p>
+            <a:r>
+              <a:rPr lang="en-US" altLang="ja-JP" dirty="0" err="1" smtClean="0"/>
+              <a:t>w</a:t>
+            </a:r>
+            <a:r>
+              <a:rPr kumimoji="1" lang="en-US" altLang="ja-JP" dirty="0" err="1" smtClean="0"/>
+              <a:t>_</a:t>
+            </a:r>
+            <a:r>
+              <a:rPr kumimoji="1" lang="en-US" altLang="ja-JP" baseline="-25000" dirty="0" err="1" smtClean="0"/>
+              <a:t>ParameterServer</a:t>
+            </a:r>
+            <a:endParaRPr kumimoji="1" lang="ja-JP" altLang="en-US" baseline="-25000" dirty="0"/>
+          </a:p>
+        </p:txBody>
+      </p:sp>
+    </p:spTree>
+    <p:extLst>
+      <p:ext uri="{BB962C8B-B14F-4D97-AF65-F5344CB8AC3E}">
+        <p14:creationId xmlns:p14="http://schemas.microsoft.com/office/powerpoint/2010/main" val="2015197682"/>
+      </p:ext>
+    </p:extLst>
+  </p:cSld>
+  <p:clrMapOvr>
+    <a:masterClrMapping/>
+  </p:clrMapOvr>
+</p:sld>
+</file>
+
+<file path=ppt/slides/slide6.xml><?xml version="1.0" encoding="utf-8"?>
+<p:sld xmlns:a="http://schemas.openxmlformats.org/drawingml/2006/main" xmlns:r="http://schemas.openxmlformats.org/officeDocument/2006/relationships" xmlns:p="http://schemas.openxmlformats.org/presentationml/2006/main">
+  <p:cSld>
+    <p:spTree>
+      <p:nvGrpSpPr>
+        <p:cNvPr id="1" name=""/>
+        <p:cNvGrpSpPr/>
+        <p:nvPr/>
+      </p:nvGrpSpPr>
+      <p:grpSpPr>
+        <a:xfrm>
+          <a:off x="0" y="0"/>
+          <a:ext cx="0" cy="0"/>
+          <a:chOff x="0" y="0"/>
+          <a:chExt cx="0" cy="0"/>
+        </a:xfrm>
+      </p:grpSpPr>
+      <p:sp>
+        <p:nvSpPr>
           <p:cNvPr id="4" name="円/楕円 3"/>
           <p:cNvSpPr/>
           <p:nvPr/>
@@ -7764,7 +11010,7 @@
 </p:sld>
 </file>
 
-<file path=ppt/slides/slide4.xml><?xml version="1.0" encoding="utf-8"?>
+<file path=ppt/slides/slide7.xml><?xml version="1.0" encoding="utf-8"?>
 <p:sld xmlns:a="http://schemas.openxmlformats.org/drawingml/2006/main" xmlns:r="http://schemas.openxmlformats.org/officeDocument/2006/relationships" xmlns:p="http://schemas.openxmlformats.org/presentationml/2006/main">
   <p:cSld>
     <p:spTree>

--- a/reinforceLearning/eye2.pptx
+++ b/reinforceLearning/eye2.pptx
@@ -6390,15 +6390,7 @@
                 <a:ea typeface="Meiryo UI" panose="020B0604030504040204" pitchFamily="50" charset="-128"/>
                 <a:cs typeface="Meiryo UI" panose="020B0604030504040204" pitchFamily="50" charset="-128"/>
               </a:rPr>
-              <a:t>p(s</a:t>
-            </a:r>
-            <a:r>
-              <a:rPr lang="en-US" altLang="ja-JP" dirty="0" smtClean="0">
-                <a:latin typeface="Meiryo UI" panose="020B0604030504040204" pitchFamily="50" charset="-128"/>
-                <a:ea typeface="Meiryo UI" panose="020B0604030504040204" pitchFamily="50" charset="-128"/>
-                <a:cs typeface="Meiryo UI" panose="020B0604030504040204" pitchFamily="50" charset="-128"/>
-              </a:rPr>
-              <a:t>,</a:t>
+              <a:t>p(s,</a:t>
             </a:r>
             <a:r>
               <a:rPr lang="ja-JP" altLang="en-US" dirty="0" smtClean="0">
@@ -6460,15 +6452,7 @@
                 <a:ea typeface="Meiryo UI" panose="020B0604030504040204" pitchFamily="50" charset="-128"/>
                 <a:cs typeface="Meiryo UI" panose="020B0604030504040204" pitchFamily="50" charset="-128"/>
               </a:rPr>
-              <a:t>(s</a:t>
-            </a:r>
-            <a:r>
-              <a:rPr lang="en-US" altLang="ja-JP" dirty="0" smtClean="0">
-                <a:latin typeface="Meiryo UI" panose="020B0604030504040204" pitchFamily="50" charset="-128"/>
-                <a:ea typeface="Meiryo UI" panose="020B0604030504040204" pitchFamily="50" charset="-128"/>
-                <a:cs typeface="Meiryo UI" panose="020B0604030504040204" pitchFamily="50" charset="-128"/>
-              </a:rPr>
-              <a:t>,</a:t>
+              <a:t>(s,</a:t>
             </a:r>
             <a:r>
               <a:rPr lang="ja-JP" altLang="en-US" dirty="0" smtClean="0">
